--- a/lectures/7/Developing the sampling plan.pptx
+++ b/lectures/7/Developing the sampling plan.pptx
@@ -40,9 +40,9 @@
     <p:sldId id="309" r:id="rId31"/>
     <p:sldId id="310" r:id="rId32"/>
     <p:sldId id="311" r:id="rId33"/>
-    <p:sldId id="325" r:id="rId34"/>
-    <p:sldId id="314" r:id="rId35"/>
-    <p:sldId id="324" r:id="rId36"/>
+    <p:sldId id="324" r:id="rId34"/>
+    <p:sldId id="325" r:id="rId35"/>
+    <p:sldId id="314" r:id="rId36"/>
     <p:sldId id="312" r:id="rId37"/>
     <p:sldId id="313" r:id="rId38"/>
   </p:sldIdLst>
@@ -6076,7 +6076,7 @@
           <a:p>
             <a:fld id="{73B2889B-A0AC-4482-8592-5C96F2309420}" type="datetimeFigureOut">
               <a:rPr lang="en-US" smtClean="0"/>
-              <a:t>3/2/2022</a:t>
+              <a:t>2/28/2023</a:t>
             </a:fld>
             <a:endParaRPr lang="en-US"/>
           </a:p>
@@ -6253,7 +6253,7 @@
           <a:p>
             <a:fld id="{830EB223-FFC0-462A-A3B8-EAA7CE0F8CBD}" type="datetimeFigureOut">
               <a:rPr lang="en-US" smtClean="0"/>
-              <a:t>3/2/2022</a:t>
+              <a:t>2/28/2023</a:t>
             </a:fld>
             <a:endParaRPr lang="en-US" dirty="0"/>
           </a:p>
@@ -6564,7 +6564,16 @@
           <a:bodyPr/>
           <a:lstStyle/>
           <a:p>
-            <a:endParaRPr lang="en-US" dirty="0"/>
+            <a:r>
+              <a:rPr lang="en-US" dirty="0"/>
+              <a:t>K = number of elements in sampling frame / total sampling elements </a:t>
+            </a:r>
+          </a:p>
+          <a:p>
+            <a:r>
+              <a:rPr lang="en-US" dirty="0"/>
+              <a:t>TSE = sample size / ()</a:t>
+            </a:r>
           </a:p>
         </p:txBody>
       </p:sp>
@@ -6585,7 +6594,7 @@
           <a:p>
             <a:fld id="{BC849E9A-41F7-4779-A581-48A7C374A227}" type="slidenum">
               <a:rPr lang="en-US" smtClean="0"/>
-              <a:t>9</a:t>
+              <a:t>6</a:t>
             </a:fld>
             <a:endParaRPr lang="en-US" dirty="0"/>
           </a:p>
@@ -6594,7 +6603,7 @@
     </p:spTree>
     <p:extLst>
       <p:ext uri="{BB962C8B-B14F-4D97-AF65-F5344CB8AC3E}">
-        <p14:creationId xmlns:p14="http://schemas.microsoft.com/office/powerpoint/2010/main" val="4205283744"/>
+        <p14:creationId xmlns:p14="http://schemas.microsoft.com/office/powerpoint/2010/main" val="4271273696"/>
       </p:ext>
     </p:extLst>
   </p:cSld>
@@ -6650,52 +6659,70 @@
           <a:p>
             <a:r>
               <a:rPr lang="en-US" dirty="0"/>
-              <a:t>There are 3 methods to assess your nonresponse error </a:t>
+              <a:t>It’s better to work hard at generating responses from a smaller sampling pool than to start with a much larger sampling pool and ignore potential nonresponse error, even if the resulting sample size is smaller </a:t>
             </a:r>
           </a:p>
           <a:p>
             <a:r>
               <a:rPr lang="en-US" dirty="0"/>
-              <a:t>First you can contact a sample of nonrespondents, either by phone or personal interviews, or give them extra incentives, and to see why they don’t respond to your attempt. You have to see if it’s random or non-random. </a:t>
+              <a:t>Pay attention to the response rates delivered by different online panel companies. The completion rate is not the same thing as the overall response rate! </a:t>
             </a:r>
+          </a:p>
+          <a:p>
+            <a:endParaRPr lang="en-US" dirty="0"/>
           </a:p>
           <a:p>
             <a:r>
               <a:rPr lang="en-US" dirty="0"/>
-              <a:t>If it’s random like they miss it or they delete your email, then you’re good </a:t>
+              <a:t>For example. if 1000 persons were asked to take part in a survey, 100 of them accepted and 90 actually completed the questionnaire then the response rate is 10% (RR=100/1000) and the completion rate is 90% (CR=90/100). Completion rate can provide information about survey instrument - if certain questions are not filled in more often then some other (i.e. have lower completion rate) then they are probably sensitive and if the interviewing is stopped or interrupted after some time then it is likely that survey procedure is exhausting (long questionnaire, for example).</a:t>
             </a:r>
+          </a:p>
+          <a:p>
+            <a:endParaRPr lang="en-US" dirty="0"/>
+          </a:p>
+          <a:p>
+            <a:endParaRPr lang="en-US" dirty="0"/>
           </a:p>
           <a:p>
             <a:r>
               <a:rPr lang="en-US" dirty="0"/>
-              <a:t>But if it’s non-random because of your study, or the way you create your survey. Then, you have to come back and address it </a:t>
+              <a:t>This bias mostly comes from the fact that people refuse to participate in your study </a:t>
             </a:r>
-          </a:p>
-          <a:p>
-            <a:endParaRPr lang="en-US" dirty="0"/>
           </a:p>
           <a:p>
             <a:r>
               <a:rPr lang="en-US" dirty="0"/>
-              <a:t>Another diagnosing method is to compare your respondent demographics against that of your population. So if on key metrics or observables, you can see that you sample resemble the population very much. For example, you have 50% male and 50% female on your sample, or 50% black and 50% white in your sample that resemble that of the population parameters, then you are good </a:t>
+              <a:t>And the rate of refusals depends on many factor. </a:t>
             </a:r>
-          </a:p>
-          <a:p>
-            <a:endParaRPr lang="en-US" dirty="0"/>
           </a:p>
           <a:p>
             <a:r>
               <a:rPr lang="en-US" dirty="0"/>
-              <a:t>Lastly, you can compare the key statistics of your early respondents and late respondents such as age, gender, occupation, etc. But this method is very controversial even though a lot of journal reviewers might ask you to do this. </a:t>
+              <a:t>But in practice, personal interviews seem to have the lowest rate of refusals because of the social nature of the contact. </a:t>
             </a:r>
-          </a:p>
-          <a:p>
-            <a:endParaRPr lang="en-US" dirty="0"/>
           </a:p>
           <a:p>
             <a:r>
               <a:rPr lang="en-US" dirty="0"/>
-              <a:t>When doing research in marketing, we typically do all three of these methods, they are not mutually exclusive </a:t>
+              <a:t>A respondent doesn’t run the risk of hurting someone’s feelings by deleting an email message or throwing a mail survey in a trash can , or during phone interview, interviewers can’t use the interpersonal nature of conversations to their advantage. </a:t>
+            </a:r>
+          </a:p>
+          <a:p>
+            <a:endParaRPr lang="en-US" dirty="0"/>
+          </a:p>
+          <a:p>
+            <a:r>
+              <a:rPr lang="en-US" dirty="0"/>
+              <a:t>It’s important that you usually have to make multiple requests. That’s why you might see companies asking for your response multiple times. </a:t>
+            </a:r>
+          </a:p>
+          <a:p>
+            <a:endParaRPr lang="en-US" dirty="0"/>
+          </a:p>
+          <a:p>
+            <a:r>
+              <a:rPr lang="en-US" dirty="0"/>
+              <a:t>Another nonresponse bias can creep in when you do phone interview, which is classified as not-at-homes. </a:t>
             </a:r>
           </a:p>
           <a:p>
@@ -6720,7 +6747,7 @@
           <a:p>
             <a:fld id="{BC849E9A-41F7-4779-A581-48A7C374A227}" type="slidenum">
               <a:rPr lang="en-US" smtClean="0"/>
-              <a:t>19</a:t>
+              <a:t>18</a:t>
             </a:fld>
             <a:endParaRPr lang="en-US" dirty="0"/>
           </a:p>
@@ -6729,7 +6756,7 @@
     </p:spTree>
     <p:extLst>
       <p:ext uri="{BB962C8B-B14F-4D97-AF65-F5344CB8AC3E}">
-        <p14:creationId xmlns:p14="http://schemas.microsoft.com/office/powerpoint/2010/main" val="300480317"/>
+        <p14:creationId xmlns:p14="http://schemas.microsoft.com/office/powerpoint/2010/main" val="2161298805"/>
       </p:ext>
     </p:extLst>
   </p:cSld>
@@ -6783,58 +6810,54 @@
           <a:bodyPr/>
           <a:lstStyle/>
           <a:p>
-            <a:pPr marL="0" marR="0" lvl="0" indent="0" algn="l" defTabSz="914400" rtl="0" eaLnBrk="1" fontAlgn="auto" latinLnBrk="0" hangingPunct="1">
-              <a:lnSpc>
-                <a:spcPct val="100000"/>
-              </a:lnSpc>
-              <a:spcBef>
-                <a:spcPts val="0"/>
-              </a:spcBef>
-              <a:spcAft>
-                <a:spcPts val="0"/>
-              </a:spcAft>
-              <a:buClrTx/>
-              <a:buSzTx/>
-              <a:buFontTx/>
-              <a:buNone/>
-              <a:tabLst/>
-              <a:defRPr/>
-            </a:pPr>
-            <a:r>
-              <a:rPr lang="en-US" sz="1200" b="1" dirty="0"/>
-              <a:t>Source: </a:t>
-            </a:r>
-            <a:r>
-              <a:rPr lang="en-US" sz="1200" dirty="0" err="1"/>
-              <a:t>Weiers</a:t>
-            </a:r>
-            <a:r>
-              <a:rPr lang="en-US" sz="1200" dirty="0"/>
-              <a:t> (1988)</a:t>
-            </a:r>
-          </a:p>
-          <a:p>
-            <a:endParaRPr lang="en-US" dirty="0"/>
-          </a:p>
-          <a:p>
             <a:r>
               <a:rPr lang="en-US" dirty="0"/>
-              <a:t>This error occurs when … </a:t>
+              <a:t>There are 3 methods to assess your nonresponse error </a:t>
             </a:r>
-          </a:p>
-          <a:p>
-            <a:endParaRPr lang="en-US" dirty="0"/>
           </a:p>
           <a:p>
             <a:r>
               <a:rPr lang="en-US" dirty="0"/>
-              <a:t>First we have to consider whether it is conscious or unconscious. </a:t>
+              <a:t>First you can contact a sample of nonrespondents, either by phone or personal interviews, or give them extra incentives, and to see why they don’t respond to your attempt. You have to see if it’s random or non-random. </a:t>
             </a:r>
           </a:p>
           <a:p>
             <a:r>
               <a:rPr lang="en-US" dirty="0"/>
-              <a:t>If it is unconscious, then does the respondent understand the question? </a:t>
+              <a:t>If it’s random like they miss it or they delete your email, then you’re good </a:t>
+            </a:r>
+          </a:p>
+          <a:p>
+            <a:r>
+              <a:rPr lang="en-US" dirty="0"/>
+              <a:t>But if it’s non-random because of your study, or the way you create your survey. Then, you have to come back and address it </a:t>
+            </a:r>
+          </a:p>
+          <a:p>
+            <a:endParaRPr lang="en-US" dirty="0"/>
+          </a:p>
+          <a:p>
+            <a:r>
+              <a:rPr lang="en-US" dirty="0"/>
+              <a:t>Another diagnosing method is to compare your respondent demographics against that of your population. So if on key metrics or observables, you can see that you sample resemble the population very much. For example, you have 50% male and 50% female on your sample, or 50% black and 50% white in your sample that resemble that of the population parameters, then you are good </a:t>
+            </a:r>
+          </a:p>
+          <a:p>
+            <a:endParaRPr lang="en-US" dirty="0"/>
+          </a:p>
+          <a:p>
+            <a:r>
+              <a:rPr lang="en-US" dirty="0"/>
+              <a:t>Lastly, you can compare the key statistics of your early respondents and late respondents such as age, gender, occupation, etc. But this method is very controversial even though a lot of journal reviewers might ask you to do this. </a:t>
+            </a:r>
+          </a:p>
+          <a:p>
+            <a:endParaRPr lang="en-US" dirty="0"/>
+          </a:p>
+          <a:p>
+            <a:r>
+              <a:rPr lang="en-US" dirty="0"/>
+              <a:t>When doing research in marketing, we typically do all three of these methods, they are not mutually exclusive </a:t>
             </a:r>
           </a:p>
           <a:p>
@@ -6859,7 +6882,7 @@
           <a:p>
             <a:fld id="{BC849E9A-41F7-4779-A581-48A7C374A227}" type="slidenum">
               <a:rPr lang="en-US" smtClean="0"/>
-              <a:t>20</a:t>
+              <a:t>19</a:t>
             </a:fld>
             <a:endParaRPr lang="en-US" dirty="0"/>
           </a:p>
@@ -6868,7 +6891,7 @@
     </p:spTree>
     <p:extLst>
       <p:ext uri="{BB962C8B-B14F-4D97-AF65-F5344CB8AC3E}">
-        <p14:creationId xmlns:p14="http://schemas.microsoft.com/office/powerpoint/2010/main" val="105363505"/>
+        <p14:creationId xmlns:p14="http://schemas.microsoft.com/office/powerpoint/2010/main" val="300480317"/>
       </p:ext>
     </p:extLst>
   </p:cSld>
@@ -6922,9 +6945,43 @@
           <a:bodyPr/>
           <a:lstStyle/>
           <a:p>
+            <a:pPr marL="0" marR="0" lvl="0" indent="0" algn="l" defTabSz="914400" rtl="0" eaLnBrk="1" fontAlgn="auto" latinLnBrk="0" hangingPunct="1">
+              <a:lnSpc>
+                <a:spcPct val="100000"/>
+              </a:lnSpc>
+              <a:spcBef>
+                <a:spcPts val="0"/>
+              </a:spcBef>
+              <a:spcAft>
+                <a:spcPts val="0"/>
+              </a:spcAft>
+              <a:buClrTx/>
+              <a:buSzTx/>
+              <a:buFontTx/>
+              <a:buNone/>
+              <a:tabLst/>
+              <a:defRPr/>
+            </a:pPr>
+            <a:r>
+              <a:rPr lang="en-US" sz="1200" b="1" dirty="0"/>
+              <a:t>Source: </a:t>
+            </a:r>
+            <a:r>
+              <a:rPr lang="en-US" sz="1200" dirty="0" err="1"/>
+              <a:t>Weiers</a:t>
+            </a:r>
+            <a:r>
+              <a:rPr lang="en-US" sz="1200" dirty="0"/>
+              <a:t> (1988)</a:t>
+            </a:r>
+          </a:p>
+          <a:p>
+            <a:endParaRPr lang="en-US" dirty="0"/>
+          </a:p>
+          <a:p>
             <a:r>
               <a:rPr lang="en-US" dirty="0"/>
-              <a:t>Personal interviews and phone surveys rely on the accuracy of the interviewer in recording the actual response of the subjects </a:t>
+              <a:t>This error occurs when … </a:t>
             </a:r>
           </a:p>
           <a:p>
@@ -6933,29 +6990,17 @@
           <a:p>
             <a:r>
               <a:rPr lang="en-US" dirty="0"/>
-              <a:t>It’s possible for online data collection systems to experience hardware or software glitches. But a more common issue is that the online survey might be programmed incorrectly by the researcher.</a:t>
+              <a:t>First we have to consider whether it is conscious or unconscious. </a:t>
             </a:r>
           </a:p>
           <a:p>
             <a:r>
               <a:rPr lang="en-US" dirty="0"/>
-              <a:t>But once the mistakes are made, you can’t go back and fix it. Usually, we have to remove those data and collect new ones. </a:t>
+              <a:t>If it is unconscious, then does the respondent understand the question? </a:t>
             </a:r>
           </a:p>
           <a:p>
             <a:endParaRPr lang="en-US" dirty="0"/>
-          </a:p>
-          <a:p>
-            <a:r>
-              <a:rPr lang="en-US" dirty="0"/>
-              <a:t>Observational data can also contain recording errors. For example, observers can forget to record, or record incidents incorrectly. </a:t>
-            </a:r>
-          </a:p>
-          <a:p>
-            <a:r>
-              <a:rPr lang="en-US" dirty="0"/>
-              <a:t>Or machines can be mis calibrated or programmed incorrectly. Or sometimes equipment might just malfunction, or power outage or glitch can prevent behaviors from being recorded </a:t>
-            </a:r>
           </a:p>
         </p:txBody>
       </p:sp>
@@ -6976,7 +7021,7 @@
           <a:p>
             <a:fld id="{BC849E9A-41F7-4779-A581-48A7C374A227}" type="slidenum">
               <a:rPr lang="en-US" smtClean="0"/>
-              <a:t>21</a:t>
+              <a:t>20</a:t>
             </a:fld>
             <a:endParaRPr lang="en-US" dirty="0"/>
           </a:p>
@@ -6985,7 +7030,7 @@
     </p:spTree>
     <p:extLst>
       <p:ext uri="{BB962C8B-B14F-4D97-AF65-F5344CB8AC3E}">
-        <p14:creationId xmlns:p14="http://schemas.microsoft.com/office/powerpoint/2010/main" val="1429579255"/>
+        <p14:creationId xmlns:p14="http://schemas.microsoft.com/office/powerpoint/2010/main" val="105363505"/>
       </p:ext>
     </p:extLst>
   </p:cSld>
@@ -7041,13 +7086,37 @@
           <a:p>
             <a:r>
               <a:rPr lang="en-US" dirty="0"/>
-              <a:t>The last type of error is researcher’s error, or office error. </a:t>
+              <a:t>Personal interviews and phone surveys rely on the accuracy of the interviewer in recording the actual response of the subjects </a:t>
             </a:r>
+          </a:p>
+          <a:p>
+            <a:endParaRPr lang="en-US" dirty="0"/>
           </a:p>
           <a:p>
             <a:r>
               <a:rPr lang="en-US" dirty="0"/>
-              <a:t>It’s the error due to … </a:t>
+              <a:t>It’s possible for online data collection systems to experience hardware or software glitches. But a more common issue is that the online survey might be programmed incorrectly by the researcher.</a:t>
+            </a:r>
+          </a:p>
+          <a:p>
+            <a:r>
+              <a:rPr lang="en-US" dirty="0"/>
+              <a:t>But once the mistakes are made, you can’t go back and fix it. Usually, we have to remove those data and collect new ones. </a:t>
+            </a:r>
+          </a:p>
+          <a:p>
+            <a:endParaRPr lang="en-US" dirty="0"/>
+          </a:p>
+          <a:p>
+            <a:r>
+              <a:rPr lang="en-US" dirty="0"/>
+              <a:t>Observational data can also contain recording errors. For example, observers can forget to record, or record incidents incorrectly. </a:t>
+            </a:r>
+          </a:p>
+          <a:p>
+            <a:r>
+              <a:rPr lang="en-US" dirty="0"/>
+              <a:t>Or machines can be mis calibrated or programmed incorrectly. Or sometimes equipment might just malfunction, or power outage or glitch can prevent behaviors from being recorded </a:t>
             </a:r>
           </a:p>
         </p:txBody>
@@ -7069,7 +7138,7 @@
           <a:p>
             <a:fld id="{BC849E9A-41F7-4779-A581-48A7C374A227}" type="slidenum">
               <a:rPr lang="en-US" smtClean="0"/>
-              <a:t>22</a:t>
+              <a:t>21</a:t>
             </a:fld>
             <a:endParaRPr lang="en-US" dirty="0"/>
           </a:p>
@@ -7078,7 +7147,7 @@
     </p:spTree>
     <p:extLst>
       <p:ext uri="{BB962C8B-B14F-4D97-AF65-F5344CB8AC3E}">
-        <p14:creationId xmlns:p14="http://schemas.microsoft.com/office/powerpoint/2010/main" val="2529372220"/>
+        <p14:creationId xmlns:p14="http://schemas.microsoft.com/office/powerpoint/2010/main" val="1429579255"/>
       </p:ext>
     </p:extLst>
   </p:cSld>
@@ -7134,7 +7203,13 @@
           <a:p>
             <a:r>
               <a:rPr lang="en-US" dirty="0"/>
-              <a:t>Go back to the last slide, ask what formula should we use with online survey with eligibility requirement  </a:t>
+              <a:t>The last type of error is researcher’s error, or office error. </a:t>
+            </a:r>
+          </a:p>
+          <a:p>
+            <a:r>
+              <a:rPr lang="en-US" dirty="0"/>
+              <a:t>It’s the error due to … </a:t>
             </a:r>
           </a:p>
         </p:txBody>
@@ -7156,7 +7231,7 @@
           <a:p>
             <a:fld id="{BC849E9A-41F7-4779-A581-48A7C374A227}" type="slidenum">
               <a:rPr lang="en-US" smtClean="0"/>
-              <a:t>25</a:t>
+              <a:t>22</a:t>
             </a:fld>
             <a:endParaRPr lang="en-US" dirty="0"/>
           </a:p>
@@ -7165,7 +7240,7 @@
     </p:spTree>
     <p:extLst>
       <p:ext uri="{BB962C8B-B14F-4D97-AF65-F5344CB8AC3E}">
-        <p14:creationId xmlns:p14="http://schemas.microsoft.com/office/powerpoint/2010/main" val="3399313200"/>
+        <p14:creationId xmlns:p14="http://schemas.microsoft.com/office/powerpoint/2010/main" val="2529372220"/>
       </p:ext>
     </p:extLst>
   </p:cSld>
@@ -7221,63 +7296,8 @@
           <a:p>
             <a:r>
               <a:rPr lang="en-US" dirty="0"/>
-              <a:t>As mentioned above, here are a few tips for increasing response rates on online surveys</a:t>
+              <a:t>Go back to the last slide, ask what formula should we use with online survey with eligibility requirement  </a:t>
             </a:r>
-          </a:p>
-          <a:p>
-            <a:endParaRPr lang="en-US" dirty="0"/>
-          </a:p>
-          <a:p>
-            <a:r>
-              <a:rPr lang="en-US" dirty="0"/>
-              <a:t>Keep in mind, that companies did their research to come up with these tips. </a:t>
-            </a:r>
-          </a:p>
-          <a:p>
-            <a:endParaRPr lang="en-US" dirty="0"/>
-          </a:p>
-          <a:p>
-            <a:r>
-              <a:rPr lang="en-US" dirty="0"/>
-              <a:t>Talk about: </a:t>
-            </a:r>
-          </a:p>
-          <a:p>
-            <a:pPr marL="171450" indent="-171450">
-              <a:buFont typeface="Arial" panose="020B0604020202020204" pitchFamily="34" charset="0"/>
-              <a:buChar char="•"/>
-            </a:pPr>
-            <a:r>
-              <a:rPr lang="en-US" dirty="0"/>
-              <a:t>Personal From name </a:t>
-            </a:r>
-          </a:p>
-          <a:p>
-            <a:pPr marL="171450" indent="-171450">
-              <a:buFont typeface="Arial" panose="020B0604020202020204" pitchFamily="34" charset="0"/>
-              <a:buChar char="•"/>
-            </a:pPr>
-            <a:r>
-              <a:rPr lang="en-US" dirty="0"/>
-              <a:t>Spam </a:t>
-            </a:r>
-          </a:p>
-          <a:p>
-            <a:pPr marL="171450" indent="-171450">
-              <a:buFont typeface="Arial" panose="020B0604020202020204" pitchFamily="34" charset="0"/>
-              <a:buChar char="•"/>
-            </a:pPr>
-            <a:r>
-              <a:rPr lang="en-US" dirty="0"/>
-              <a:t>Incentive (can also personalize) </a:t>
-            </a:r>
-          </a:p>
-          <a:p>
-            <a:pPr marL="171450" indent="-171450">
-              <a:buFont typeface="Arial" panose="020B0604020202020204" pitchFamily="34" charset="0"/>
-              <a:buChar char="•"/>
-            </a:pPr>
-            <a:endParaRPr lang="en-US" dirty="0"/>
           </a:p>
         </p:txBody>
       </p:sp>
@@ -7298,7 +7318,7 @@
           <a:p>
             <a:fld id="{BC849E9A-41F7-4779-A581-48A7C374A227}" type="slidenum">
               <a:rPr lang="en-US" smtClean="0"/>
-              <a:t>27</a:t>
+              <a:t>25</a:t>
             </a:fld>
             <a:endParaRPr lang="en-US" dirty="0"/>
           </a:p>
@@ -7307,7 +7327,7 @@
     </p:spTree>
     <p:extLst>
       <p:ext uri="{BB962C8B-B14F-4D97-AF65-F5344CB8AC3E}">
-        <p14:creationId xmlns:p14="http://schemas.microsoft.com/office/powerpoint/2010/main" val="3914494636"/>
+        <p14:creationId xmlns:p14="http://schemas.microsoft.com/office/powerpoint/2010/main" val="3399313200"/>
       </p:ext>
     </p:extLst>
   </p:cSld>
@@ -7361,6 +7381,64 @@
           <a:bodyPr/>
           <a:lstStyle/>
           <a:p>
+            <a:r>
+              <a:rPr lang="en-US" dirty="0"/>
+              <a:t>As mentioned above, here are a few tips for increasing response rates on online surveys</a:t>
+            </a:r>
+          </a:p>
+          <a:p>
+            <a:endParaRPr lang="en-US" dirty="0"/>
+          </a:p>
+          <a:p>
+            <a:r>
+              <a:rPr lang="en-US" dirty="0"/>
+              <a:t>Keep in mind, that companies did their research to come up with these tips. </a:t>
+            </a:r>
+          </a:p>
+          <a:p>
+            <a:endParaRPr lang="en-US" dirty="0"/>
+          </a:p>
+          <a:p>
+            <a:r>
+              <a:rPr lang="en-US" dirty="0"/>
+              <a:t>Talk about: </a:t>
+            </a:r>
+          </a:p>
+          <a:p>
+            <a:pPr marL="171450" indent="-171450">
+              <a:buFont typeface="Arial" panose="020B0604020202020204" pitchFamily="34" charset="0"/>
+              <a:buChar char="•"/>
+            </a:pPr>
+            <a:r>
+              <a:rPr lang="en-US" dirty="0"/>
+              <a:t>Personal From name </a:t>
+            </a:r>
+          </a:p>
+          <a:p>
+            <a:pPr marL="171450" indent="-171450">
+              <a:buFont typeface="Arial" panose="020B0604020202020204" pitchFamily="34" charset="0"/>
+              <a:buChar char="•"/>
+            </a:pPr>
+            <a:r>
+              <a:rPr lang="en-US" dirty="0"/>
+              <a:t>Spam </a:t>
+            </a:r>
+          </a:p>
+          <a:p>
+            <a:pPr marL="171450" indent="-171450">
+              <a:buFont typeface="Arial" panose="020B0604020202020204" pitchFamily="34" charset="0"/>
+              <a:buChar char="•"/>
+            </a:pPr>
+            <a:r>
+              <a:rPr lang="en-US" dirty="0"/>
+              <a:t>Incentive (can also personalize) </a:t>
+            </a:r>
+          </a:p>
+          <a:p>
+            <a:pPr marL="171450" indent="-171450">
+              <a:buFont typeface="Arial" panose="020B0604020202020204" pitchFamily="34" charset="0"/>
+              <a:buChar char="•"/>
+            </a:pPr>
             <a:endParaRPr lang="en-US" dirty="0"/>
           </a:p>
         </p:txBody>
@@ -7382,7 +7460,7 @@
           <a:p>
             <a:fld id="{BC849E9A-41F7-4779-A581-48A7C374A227}" type="slidenum">
               <a:rPr lang="en-US" smtClean="0"/>
-              <a:t>28</a:t>
+              <a:t>27</a:t>
             </a:fld>
             <a:endParaRPr lang="en-US" dirty="0"/>
           </a:p>
@@ -7391,7 +7469,7 @@
     </p:spTree>
     <p:extLst>
       <p:ext uri="{BB962C8B-B14F-4D97-AF65-F5344CB8AC3E}">
-        <p14:creationId xmlns:p14="http://schemas.microsoft.com/office/powerpoint/2010/main" val="602993813"/>
+        <p14:creationId xmlns:p14="http://schemas.microsoft.com/office/powerpoint/2010/main" val="3914494636"/>
       </p:ext>
     </p:extLst>
   </p:cSld>
@@ -7445,16 +7523,7 @@
           <a:bodyPr/>
           <a:lstStyle/>
           <a:p>
-            <a:r>
-              <a:rPr lang="en-US" dirty="0"/>
-              <a:t>These are a few more suggestions to improve response rates</a:t>
-            </a:r>
-          </a:p>
-          <a:p>
-            <a:r>
-              <a:rPr lang="en-US" dirty="0"/>
-              <a:t>I just want to highlight that with surveys that ask about sensitive matters, please remember to guarantee confidentiality or anonymity </a:t>
-            </a:r>
+            <a:endParaRPr lang="en-US" dirty="0"/>
           </a:p>
         </p:txBody>
       </p:sp>
@@ -7475,7 +7544,7 @@
           <a:p>
             <a:fld id="{BC849E9A-41F7-4779-A581-48A7C374A227}" type="slidenum">
               <a:rPr lang="en-US" smtClean="0"/>
-              <a:t>29</a:t>
+              <a:t>28</a:t>
             </a:fld>
             <a:endParaRPr lang="en-US" dirty="0"/>
           </a:p>
@@ -7484,7 +7553,7 @@
     </p:spTree>
     <p:extLst>
       <p:ext uri="{BB962C8B-B14F-4D97-AF65-F5344CB8AC3E}">
-        <p14:creationId xmlns:p14="http://schemas.microsoft.com/office/powerpoint/2010/main" val="3540067817"/>
+        <p14:creationId xmlns:p14="http://schemas.microsoft.com/office/powerpoint/2010/main" val="602993813"/>
       </p:ext>
     </p:extLst>
   </p:cSld>
@@ -7540,13 +7609,13 @@
           <a:p>
             <a:r>
               <a:rPr lang="en-US" dirty="0"/>
-              <a:t>Regarding today’s discussion </a:t>
+              <a:t>These are a few more suggestions to improve response rates</a:t>
             </a:r>
           </a:p>
           <a:p>
             <a:r>
               <a:rPr lang="en-US" dirty="0"/>
-              <a:t>Please discuss … </a:t>
+              <a:t>I just want to highlight that with surveys that ask about sensitive matters, please remember to guarantee confidentiality or anonymity </a:t>
             </a:r>
           </a:p>
         </p:txBody>
@@ -7568,7 +7637,7 @@
           <a:p>
             <a:fld id="{BC849E9A-41F7-4779-A581-48A7C374A227}" type="slidenum">
               <a:rPr lang="en-US" smtClean="0"/>
-              <a:t>30</a:t>
+              <a:t>29</a:t>
             </a:fld>
             <a:endParaRPr lang="en-US" dirty="0"/>
           </a:p>
@@ -7577,7 +7646,7 @@
     </p:spTree>
     <p:extLst>
       <p:ext uri="{BB962C8B-B14F-4D97-AF65-F5344CB8AC3E}">
-        <p14:creationId xmlns:p14="http://schemas.microsoft.com/office/powerpoint/2010/main" val="2501758210"/>
+        <p14:creationId xmlns:p14="http://schemas.microsoft.com/office/powerpoint/2010/main" val="3540067817"/>
       </p:ext>
     </p:extLst>
   </p:cSld>
@@ -7633,7 +7702,28 @@
           <a:p>
             <a:r>
               <a:rPr lang="en-US" dirty="0"/>
-              <a:t>I’ll talk more about discussion case 6 and the example </a:t>
+              <a:t>For this case study, you will help Mediacom decide the best approach to survey their customers. </a:t>
+            </a:r>
+          </a:p>
+          <a:p>
+            <a:r>
+              <a:rPr lang="en-US" dirty="0"/>
+              <a:t>There will be three alternatives presented here. </a:t>
+            </a:r>
+          </a:p>
+          <a:p>
+            <a:r>
+              <a:rPr lang="en-US" dirty="0"/>
+              <a:t>Like discussion case 5, you will have to discuss each alternative, then suggest the best option in your opinion and argue for it. </a:t>
+            </a:r>
+          </a:p>
+          <a:p>
+            <a:endParaRPr lang="en-US" dirty="0"/>
+          </a:p>
+          <a:p>
+            <a:r>
+              <a:rPr lang="en-US" dirty="0"/>
+              <a:t>Please remember to respond to 2 other posts and link your answer to the textbook chapter</a:t>
             </a:r>
           </a:p>
         </p:txBody>
@@ -7655,7 +7745,7 @@
           <a:p>
             <a:fld id="{BC849E9A-41F7-4779-A581-48A7C374A227}" type="slidenum">
               <a:rPr lang="en-US" smtClean="0"/>
-              <a:t>31</a:t>
+              <a:t>30</a:t>
             </a:fld>
             <a:endParaRPr lang="en-US" dirty="0"/>
           </a:p>
@@ -7664,7 +7754,7 @@
     </p:spTree>
     <p:extLst>
       <p:ext uri="{BB962C8B-B14F-4D97-AF65-F5344CB8AC3E}">
-        <p14:creationId xmlns:p14="http://schemas.microsoft.com/office/powerpoint/2010/main" val="4045825376"/>
+        <p14:creationId xmlns:p14="http://schemas.microsoft.com/office/powerpoint/2010/main" val="1029157646"/>
       </p:ext>
     </p:extLst>
   </p:cSld>
@@ -7718,53 +7808,7 @@
           <a:bodyPr/>
           <a:lstStyle/>
           <a:p>
-            <a:r>
-              <a:rPr lang="en-US" dirty="0"/>
-              <a:t>Sample variance is higher than population variance. </a:t>
-            </a:r>
-          </a:p>
-          <a:p>
-            <a:r>
-              <a:rPr lang="en-US" dirty="0"/>
-              <a:t>The logic of doing that is to compensate our lack of information about the population data. </a:t>
-            </a:r>
-          </a:p>
-          <a:p>
             <a:endParaRPr lang="en-US" dirty="0"/>
-          </a:p>
-          <a:p>
-            <a:endParaRPr lang="en-US" dirty="0"/>
-          </a:p>
-          <a:p>
-            <a:endParaRPr lang="en-US" dirty="0"/>
-          </a:p>
-          <a:p>
-            <a:r>
-              <a:rPr lang="en-US" dirty="0"/>
-              <a:t>https://rstudio.cloud/project/2980145</a:t>
-            </a:r>
-          </a:p>
-          <a:p>
-            <a:r>
-              <a:rPr lang="en-US" dirty="0" err="1"/>
-              <a:t>Sampling_dist</a:t>
-            </a:r>
-            <a:endParaRPr lang="en-US" dirty="0"/>
-          </a:p>
-          <a:p>
-            <a:endParaRPr lang="en-US" dirty="0"/>
-          </a:p>
-          <a:p>
-            <a:endParaRPr lang="en-US" dirty="0"/>
-          </a:p>
-          <a:p>
-            <a:endParaRPr lang="en-US" dirty="0"/>
-          </a:p>
-          <a:p>
-            <a:r>
-              <a:rPr lang="en-US" dirty="0"/>
-              <a:t>It is impossible to find out variance of heights in human beings, for our absolute lack of information about heights of all living human beings, not to talk about the future. Even if we take one moderate example, like population data on heights of all the living men in US it is physically possible, but the cost and time involved in this would defeat the purpose of its calculation. </a:t>
-            </a:r>
           </a:p>
         </p:txBody>
       </p:sp>
@@ -7785,7 +7829,7 @@
           <a:p>
             <a:fld id="{BC849E9A-41F7-4779-A581-48A7C374A227}" type="slidenum">
               <a:rPr lang="en-US" smtClean="0"/>
-              <a:t>10</a:t>
+              <a:t>9</a:t>
             </a:fld>
             <a:endParaRPr lang="en-US" dirty="0"/>
           </a:p>
@@ -7794,7 +7838,7 @@
     </p:spTree>
     <p:extLst>
       <p:ext uri="{BB962C8B-B14F-4D97-AF65-F5344CB8AC3E}">
-        <p14:creationId xmlns:p14="http://schemas.microsoft.com/office/powerpoint/2010/main" val="3996516769"/>
+        <p14:creationId xmlns:p14="http://schemas.microsoft.com/office/powerpoint/2010/main" val="4205283744"/>
       </p:ext>
     </p:extLst>
   </p:cSld>
@@ -7850,28 +7894,13 @@
           <a:p>
             <a:r>
               <a:rPr lang="en-US" dirty="0"/>
-              <a:t>For this case study, you will help Mediacom decide the best approach to survey their customers. </a:t>
+              <a:t>Regarding today’s discussion </a:t>
             </a:r>
           </a:p>
           <a:p>
             <a:r>
               <a:rPr lang="en-US" dirty="0"/>
-              <a:t>There will be three alternatives presented here. </a:t>
-            </a:r>
-          </a:p>
-          <a:p>
-            <a:r>
-              <a:rPr lang="en-US" dirty="0"/>
-              <a:t>Like discussion case 5, you will have to discuss each alternative, then suggest the best option in your opinion and argue for it. </a:t>
-            </a:r>
-          </a:p>
-          <a:p>
-            <a:endParaRPr lang="en-US" dirty="0"/>
-          </a:p>
-          <a:p>
-            <a:r>
-              <a:rPr lang="en-US" dirty="0"/>
-              <a:t>Please remember to respond to 2 other posts and link your answer to the textbook chapter</a:t>
+              <a:t>Please discuss … </a:t>
             </a:r>
           </a:p>
         </p:txBody>
@@ -7893,7 +7922,7 @@
           <a:p>
             <a:fld id="{BC849E9A-41F7-4779-A581-48A7C374A227}" type="slidenum">
               <a:rPr lang="en-US" smtClean="0"/>
-              <a:t>32</a:t>
+              <a:t>31</a:t>
             </a:fld>
             <a:endParaRPr lang="en-US" dirty="0"/>
           </a:p>
@@ -7902,7 +7931,7 @@
     </p:spTree>
     <p:extLst>
       <p:ext uri="{BB962C8B-B14F-4D97-AF65-F5344CB8AC3E}">
-        <p14:creationId xmlns:p14="http://schemas.microsoft.com/office/powerpoint/2010/main" val="1029157646"/>
+        <p14:creationId xmlns:p14="http://schemas.microsoft.com/office/powerpoint/2010/main" val="2501758210"/>
       </p:ext>
     </p:extLst>
   </p:cSld>
@@ -7958,65 +7987,8 @@
           <a:p>
             <a:r>
               <a:rPr lang="en-US" dirty="0"/>
-              <a:t>Read the slide</a:t>
+              <a:t>I’ll talk more about discussion case 6 and the example </a:t>
             </a:r>
-          </a:p>
-          <a:p>
-            <a:r>
-              <a:rPr lang="en-US" dirty="0"/>
-              <a:t> </a:t>
-            </a:r>
-          </a:p>
-          <a:p>
-            <a:r>
-              <a:rPr lang="en-US" dirty="0"/>
-              <a:t>You can take it wherever you want. However, I strongly encourage you to come to class with your laptop to take the exam.</a:t>
-            </a:r>
-          </a:p>
-          <a:p>
-            <a:r>
-              <a:rPr lang="en-US" dirty="0"/>
-              <a:t>I will be in class to answer any questions if you have during the exam. But I can’t answer it if you are elsewhere, so keep it in mind. </a:t>
-            </a:r>
-          </a:p>
-          <a:p>
-            <a:endParaRPr lang="en-US" dirty="0"/>
-          </a:p>
-          <a:p>
-            <a:r>
-              <a:rPr lang="en-US" dirty="0"/>
-              <a:t>It will be open from</a:t>
-            </a:r>
-          </a:p>
-          <a:p>
-            <a:endParaRPr lang="en-US" dirty="0"/>
-          </a:p>
-          <a:p>
-            <a:endParaRPr lang="en-US" dirty="0"/>
-          </a:p>
-          <a:p>
-            <a:r>
-              <a:rPr lang="en-US" dirty="0"/>
-              <a:t>Please don’t think that since you are allowed to open your notes, you don’t need to study anything for the first exam. </a:t>
-            </a:r>
-          </a:p>
-          <a:p>
-            <a:r>
-              <a:rPr lang="en-US" dirty="0"/>
-              <a:t>I’d strongly recommend you create your own notes so it can serve as a study opportunity, and you can know exactly where to look for during the exam. </a:t>
-            </a:r>
-          </a:p>
-          <a:p>
-            <a:r>
-              <a:rPr lang="en-US" dirty="0"/>
-              <a:t>Because you can’t start reading your textbook chapters or slides during your exam, you only have limited time, you can only look quickly for the answer in your notes and answer it. </a:t>
-            </a:r>
-          </a:p>
-          <a:p>
-            <a:endParaRPr lang="en-US" dirty="0"/>
-          </a:p>
-          <a:p>
-            <a:endParaRPr lang="en-US" dirty="0"/>
           </a:p>
         </p:txBody>
       </p:sp>
@@ -8037,6 +8009,150 @@
           <a:p>
             <a:fld id="{BC849E9A-41F7-4779-A581-48A7C374A227}" type="slidenum">
               <a:rPr lang="en-US" smtClean="0"/>
+              <a:t>32</a:t>
+            </a:fld>
+            <a:endParaRPr lang="en-US" dirty="0"/>
+          </a:p>
+        </p:txBody>
+      </p:sp>
+    </p:spTree>
+    <p:extLst>
+      <p:ext uri="{BB962C8B-B14F-4D97-AF65-F5344CB8AC3E}">
+        <p14:creationId xmlns:p14="http://schemas.microsoft.com/office/powerpoint/2010/main" val="4045825376"/>
+      </p:ext>
+    </p:extLst>
+  </p:cSld>
+  <p:clrMapOvr>
+    <a:masterClrMapping/>
+  </p:clrMapOvr>
+</p:notes>
+</file>
+
+<file path=ppt/notesSlides/notesSlide22.xml><?xml version="1.0" encoding="utf-8"?>
+<p:notes xmlns:a="http://schemas.openxmlformats.org/drawingml/2006/main" xmlns:r="http://schemas.openxmlformats.org/officeDocument/2006/relationships" xmlns:p="http://schemas.openxmlformats.org/presentationml/2006/main">
+  <p:cSld>
+    <p:spTree>
+      <p:nvGrpSpPr>
+        <p:cNvPr id="1" name=""/>
+        <p:cNvGrpSpPr/>
+        <p:nvPr/>
+      </p:nvGrpSpPr>
+      <p:grpSpPr>
+        <a:xfrm>
+          <a:off x="0" y="0"/>
+          <a:ext cx="0" cy="0"/>
+          <a:chOff x="0" y="0"/>
+          <a:chExt cx="0" cy="0"/>
+        </a:xfrm>
+      </p:grpSpPr>
+      <p:sp>
+        <p:nvSpPr>
+          <p:cNvPr id="2" name="Slide Image Placeholder 1"/>
+          <p:cNvSpPr>
+            <a:spLocks noGrp="1" noRot="1" noChangeAspect="1"/>
+          </p:cNvSpPr>
+          <p:nvPr>
+            <p:ph type="sldImg"/>
+          </p:nvPr>
+        </p:nvSpPr>
+        <p:spPr/>
+      </p:sp>
+      <p:sp>
+        <p:nvSpPr>
+          <p:cNvPr id="3" name="Notes Placeholder 2"/>
+          <p:cNvSpPr>
+            <a:spLocks noGrp="1"/>
+          </p:cNvSpPr>
+          <p:nvPr>
+            <p:ph type="body" idx="1"/>
+          </p:nvPr>
+        </p:nvSpPr>
+        <p:spPr/>
+        <p:txBody>
+          <a:bodyPr/>
+          <a:lstStyle/>
+          <a:p>
+            <a:r>
+              <a:rPr lang="en-US" dirty="0"/>
+              <a:t>Read the slide</a:t>
+            </a:r>
+          </a:p>
+          <a:p>
+            <a:r>
+              <a:rPr lang="en-US" dirty="0"/>
+              <a:t> </a:t>
+            </a:r>
+          </a:p>
+          <a:p>
+            <a:r>
+              <a:rPr lang="en-US" dirty="0"/>
+              <a:t>You can take it wherever you want. However, I strongly encourage you to come to class with your laptop to take the exam.</a:t>
+            </a:r>
+          </a:p>
+          <a:p>
+            <a:r>
+              <a:rPr lang="en-US" dirty="0"/>
+              <a:t>I will be in class to answer any questions if you have during the exam. But I can’t answer it if you are elsewhere, so keep it in mind. </a:t>
+            </a:r>
+          </a:p>
+          <a:p>
+            <a:endParaRPr lang="en-US" dirty="0"/>
+          </a:p>
+          <a:p>
+            <a:r>
+              <a:rPr lang="en-US" dirty="0"/>
+              <a:t>It will be open from</a:t>
+            </a:r>
+          </a:p>
+          <a:p>
+            <a:endParaRPr lang="en-US" dirty="0"/>
+          </a:p>
+          <a:p>
+            <a:endParaRPr lang="en-US" dirty="0"/>
+          </a:p>
+          <a:p>
+            <a:r>
+              <a:rPr lang="en-US" dirty="0"/>
+              <a:t>Please don’t think that since you are allowed to open your notes, you don’t need to study anything for the first exam. </a:t>
+            </a:r>
+          </a:p>
+          <a:p>
+            <a:r>
+              <a:rPr lang="en-US" dirty="0"/>
+              <a:t>I’d strongly recommend you create your own notes so it can serve as a study opportunity, and you can know exactly where to look for during the exam. </a:t>
+            </a:r>
+          </a:p>
+          <a:p>
+            <a:r>
+              <a:rPr lang="en-US" dirty="0"/>
+              <a:t>Because you can’t start reading your textbook chapters or slides during your exam, you only have limited time, you can only look quickly for the answer in your notes and answer it. </a:t>
+            </a:r>
+          </a:p>
+          <a:p>
+            <a:endParaRPr lang="en-US" dirty="0"/>
+          </a:p>
+          <a:p>
+            <a:endParaRPr lang="en-US" dirty="0"/>
+          </a:p>
+        </p:txBody>
+      </p:sp>
+      <p:sp>
+        <p:nvSpPr>
+          <p:cNvPr id="4" name="Slide Number Placeholder 3"/>
+          <p:cNvSpPr>
+            <a:spLocks noGrp="1"/>
+          </p:cNvSpPr>
+          <p:nvPr>
+            <p:ph type="sldNum" sz="quarter" idx="5"/>
+          </p:nvPr>
+        </p:nvSpPr>
+        <p:spPr/>
+        <p:txBody>
+          <a:bodyPr/>
+          <a:lstStyle/>
+          <a:p>
+            <a:fld id="{BC849E9A-41F7-4779-A581-48A7C374A227}" type="slidenum">
+              <a:rPr lang="en-US" smtClean="0"/>
               <a:t>33</a:t>
             </a:fld>
             <a:endParaRPr lang="en-US" dirty="0"/>
@@ -8056,7 +8172,7 @@
 </p:notes>
 </file>
 
-<file path=ppt/notesSlides/notesSlide22.xml><?xml version="1.0" encoding="utf-8"?>
+<file path=ppt/notesSlides/notesSlide23.xml><?xml version="1.0" encoding="utf-8"?>
 <p:notes xmlns:a="http://schemas.openxmlformats.org/drawingml/2006/main" xmlns:r="http://schemas.openxmlformats.org/officeDocument/2006/relationships" xmlns:p="http://schemas.openxmlformats.org/presentationml/2006/main">
   <p:cSld>
     <p:spTree>
@@ -8367,11 +8483,51 @@
           <a:p>
             <a:r>
               <a:rPr lang="en-US" dirty="0"/>
-              <a:t>This chapter is rather short, but it can greatly aid you in your data collection process </a:t>
+              <a:t>Sample variance is higher than population variance. </a:t>
             </a:r>
           </a:p>
           <a:p>
+            <a:r>
+              <a:rPr lang="en-US" dirty="0"/>
+              <a:t>The logic of doing that is to compensate our lack of information about the population data. </a:t>
+            </a:r>
+          </a:p>
+          <a:p>
             <a:endParaRPr lang="en-US" dirty="0"/>
+          </a:p>
+          <a:p>
+            <a:endParaRPr lang="en-US" dirty="0"/>
+          </a:p>
+          <a:p>
+            <a:endParaRPr lang="en-US" dirty="0"/>
+          </a:p>
+          <a:p>
+            <a:r>
+              <a:rPr lang="en-US" dirty="0"/>
+              <a:t>https://rstudio.cloud/project/2980145</a:t>
+            </a:r>
+          </a:p>
+          <a:p>
+            <a:r>
+              <a:rPr lang="en-US" dirty="0" err="1"/>
+              <a:t>Sampling_dist</a:t>
+            </a:r>
+            <a:endParaRPr lang="en-US" dirty="0"/>
+          </a:p>
+          <a:p>
+            <a:endParaRPr lang="en-US" dirty="0"/>
+          </a:p>
+          <a:p>
+            <a:endParaRPr lang="en-US" dirty="0"/>
+          </a:p>
+          <a:p>
+            <a:endParaRPr lang="en-US" dirty="0"/>
+          </a:p>
+          <a:p>
+            <a:r>
+              <a:rPr lang="en-US" dirty="0"/>
+              <a:t>It is impossible to find out variance of heights in human beings, for our absolute lack of information about heights of all living human beings, not to talk about the future. Even if we take one moderate example, like population data on heights of all the living men in US it is physically possible, but the cost and time involved in this would defeat the purpose of its calculation. </a:t>
+            </a:r>
           </a:p>
         </p:txBody>
       </p:sp>
@@ -8392,7 +8548,7 @@
           <a:p>
             <a:fld id="{BC849E9A-41F7-4779-A581-48A7C374A227}" type="slidenum">
               <a:rPr lang="en-US" smtClean="0"/>
-              <a:t>12</a:t>
+              <a:t>10</a:t>
             </a:fld>
             <a:endParaRPr lang="en-US" dirty="0"/>
           </a:p>
@@ -8401,7 +8557,7 @@
     </p:spTree>
     <p:extLst>
       <p:ext uri="{BB962C8B-B14F-4D97-AF65-F5344CB8AC3E}">
-        <p14:creationId xmlns:p14="http://schemas.microsoft.com/office/powerpoint/2010/main" val="3922018573"/>
+        <p14:creationId xmlns:p14="http://schemas.microsoft.com/office/powerpoint/2010/main" val="3996516769"/>
       </p:ext>
     </p:extLst>
   </p:cSld>
@@ -8457,14 +8613,11 @@
           <a:p>
             <a:r>
               <a:rPr lang="en-US" dirty="0"/>
-              <a:t>There are 6 types of errors that can enter into your sample result that prevent you from seeing the truth, which is whatever you want to measure with the survey</a:t>
+              <a:t>This chapter is rather short, but it can greatly aid you in your data collection process </a:t>
             </a:r>
           </a:p>
           <a:p>
-            <a:r>
-              <a:rPr lang="en-US" dirty="0"/>
-              <a:t>They are … </a:t>
-            </a:r>
+            <a:endParaRPr lang="en-US" dirty="0"/>
           </a:p>
         </p:txBody>
       </p:sp>
@@ -8485,7 +8638,7 @@
           <a:p>
             <a:fld id="{BC849E9A-41F7-4779-A581-48A7C374A227}" type="slidenum">
               <a:rPr lang="en-US" smtClean="0"/>
-              <a:t>13</a:t>
+              <a:t>12</a:t>
             </a:fld>
             <a:endParaRPr lang="en-US" dirty="0"/>
           </a:p>
@@ -8494,7 +8647,7 @@
     </p:spTree>
     <p:extLst>
       <p:ext uri="{BB962C8B-B14F-4D97-AF65-F5344CB8AC3E}">
-        <p14:creationId xmlns:p14="http://schemas.microsoft.com/office/powerpoint/2010/main" val="2341057339"/>
+        <p14:creationId xmlns:p14="http://schemas.microsoft.com/office/powerpoint/2010/main" val="3922018573"/>
       </p:ext>
     </p:extLst>
   </p:cSld>
@@ -8550,25 +8703,13 @@
           <a:p>
             <a:r>
               <a:rPr lang="en-US" dirty="0"/>
-              <a:t>The first one is sampling error </a:t>
+              <a:t>There are 6 types of errors that can enter into your sample result that prevent you from seeing the truth, which is whatever you want to measure with the survey</a:t>
             </a:r>
           </a:p>
           <a:p>
             <a:r>
               <a:rPr lang="en-US" dirty="0"/>
-              <a:t>So we talked a little about this error in the last class. </a:t>
-            </a:r>
-          </a:p>
-          <a:p>
-            <a:r>
-              <a:rPr lang="en-US" dirty="0"/>
-              <a:t>If you can recall, we draw sample from a population </a:t>
-            </a:r>
-          </a:p>
-          <a:p>
-            <a:r>
-              <a:rPr lang="en-US" dirty="0"/>
-              <a:t>With probability sampling, we can easily handle this type of error from formulas</a:t>
+              <a:t>They are … </a:t>
             </a:r>
           </a:p>
         </p:txBody>
@@ -8590,7 +8731,7 @@
           <a:p>
             <a:fld id="{BC849E9A-41F7-4779-A581-48A7C374A227}" type="slidenum">
               <a:rPr lang="en-US" smtClean="0"/>
-              <a:t>14</a:t>
+              <a:t>13</a:t>
             </a:fld>
             <a:endParaRPr lang="en-US" dirty="0"/>
           </a:p>
@@ -8599,7 +8740,7 @@
     </p:spTree>
     <p:extLst>
       <p:ext uri="{BB962C8B-B14F-4D97-AF65-F5344CB8AC3E}">
-        <p14:creationId xmlns:p14="http://schemas.microsoft.com/office/powerpoint/2010/main" val="709591787"/>
+        <p14:creationId xmlns:p14="http://schemas.microsoft.com/office/powerpoint/2010/main" val="2341057339"/>
       </p:ext>
     </p:extLst>
   </p:cSld>
@@ -8655,28 +8796,25 @@
           <a:p>
             <a:r>
               <a:rPr lang="en-US" dirty="0"/>
-              <a:t>The second type of error is noncoverage error </a:t>
+              <a:t>The first one is sampling error </a:t>
             </a:r>
           </a:p>
           <a:p>
             <a:r>
               <a:rPr lang="en-US" dirty="0"/>
-              <a:t>This error arises because of failure to include qualified elements of the defined population in the sampling frame </a:t>
+              <a:t>So we talked a little about this error in the last class. </a:t>
             </a:r>
-          </a:p>
-          <a:p>
-            <a:endParaRPr lang="en-US" dirty="0"/>
           </a:p>
           <a:p>
             <a:r>
               <a:rPr lang="en-US" dirty="0"/>
-              <a:t>When conducting your survey, you have to first decide your sampling frame right, but you might forget some aspects of you population, or you might exclude a group of people that are supposed to be in your sample as well. </a:t>
+              <a:t>If you can recall, we draw sample from a population </a:t>
             </a:r>
           </a:p>
           <a:p>
             <a:r>
               <a:rPr lang="en-US" dirty="0"/>
-              <a:t>For example, you want to survey the US population as a whole, but somehow your survey systematic miss naturalized US citizens, in which case, your sample would not be representative of the whole population right?</a:t>
+              <a:t>With probability sampling, we can easily handle this type of error from formulas</a:t>
             </a:r>
           </a:p>
         </p:txBody>
@@ -8698,7 +8836,7 @@
           <a:p>
             <a:fld id="{BC849E9A-41F7-4779-A581-48A7C374A227}" type="slidenum">
               <a:rPr lang="en-US" smtClean="0"/>
-              <a:t>15</a:t>
+              <a:t>14</a:t>
             </a:fld>
             <a:endParaRPr lang="en-US" dirty="0"/>
           </a:p>
@@ -8707,7 +8845,7 @@
     </p:spTree>
     <p:extLst>
       <p:ext uri="{BB962C8B-B14F-4D97-AF65-F5344CB8AC3E}">
-        <p14:creationId xmlns:p14="http://schemas.microsoft.com/office/powerpoint/2010/main" val="3650043530"/>
+        <p14:creationId xmlns:p14="http://schemas.microsoft.com/office/powerpoint/2010/main" val="709591787"/>
       </p:ext>
     </p:extLst>
   </p:cSld>
@@ -8763,13 +8901,13 @@
           <a:p>
             <a:r>
               <a:rPr lang="en-US" dirty="0"/>
-              <a:t>The third type of error is nonresponse error. </a:t>
+              <a:t>The second type of error is noncoverage error </a:t>
             </a:r>
           </a:p>
           <a:p>
             <a:r>
               <a:rPr lang="en-US" dirty="0"/>
-              <a:t>This type of error is usually encountered in any communication –based project. </a:t>
+              <a:t>This error arises because of failure to include qualified elements of the defined population in the sampling frame </a:t>
             </a:r>
           </a:p>
           <a:p>
@@ -8778,29 +8916,14 @@
           <a:p>
             <a:r>
               <a:rPr lang="en-US" dirty="0"/>
-              <a:t>It’s the error from failing to obtain … </a:t>
+              <a:t>When conducting your survey, you have to first decide your sampling frame right, but you might forget some aspects of you population, or you might exclude a group of people that are supposed to be in your sample as well. </a:t>
             </a:r>
-          </a:p>
-          <a:p>
-            <a:endParaRPr lang="en-US" dirty="0"/>
           </a:p>
           <a:p>
             <a:r>
               <a:rPr lang="en-US" dirty="0"/>
-              <a:t>It’s a potential problem, because it can create systematic difference between those who respond, and those who do not respond. </a:t>
+              <a:t>For example, you want to survey the US population as a whole, but somehow your survey systematic miss naturalized US citizens, in which case, your sample would not be representative of the whole population right?</a:t>
             </a:r>
-          </a:p>
-          <a:p>
-            <a:endParaRPr lang="en-US" dirty="0"/>
-          </a:p>
-          <a:p>
-            <a:r>
-              <a:rPr lang="en-US" dirty="0"/>
-              <a:t>We will also cover the methods to assess and counter this method. But there is no fool-proof  plan against this type of error (or at least with our current state-of-the-art)</a:t>
-            </a:r>
-          </a:p>
-          <a:p>
-            <a:endParaRPr lang="en-US" dirty="0"/>
           </a:p>
         </p:txBody>
       </p:sp>
@@ -8821,7 +8944,7 @@
           <a:p>
             <a:fld id="{BC849E9A-41F7-4779-A581-48A7C374A227}" type="slidenum">
               <a:rPr lang="en-US" smtClean="0"/>
-              <a:t>16</a:t>
+              <a:t>15</a:t>
             </a:fld>
             <a:endParaRPr lang="en-US" dirty="0"/>
           </a:p>
@@ -8830,7 +8953,7 @@
     </p:spTree>
     <p:extLst>
       <p:ext uri="{BB962C8B-B14F-4D97-AF65-F5344CB8AC3E}">
-        <p14:creationId xmlns:p14="http://schemas.microsoft.com/office/powerpoint/2010/main" val="1019548198"/>
+        <p14:creationId xmlns:p14="http://schemas.microsoft.com/office/powerpoint/2010/main" val="3650043530"/>
       </p:ext>
     </p:extLst>
   </p:cSld>
@@ -8886,7 +9009,40 @@
           <a:p>
             <a:r>
               <a:rPr lang="en-US" dirty="0"/>
-              <a:t>Say that you want to assess the success of Mizzou’s graduates based on their annual salaries within 5 years after graduation.</a:t>
+              <a:t>The third type of error is nonresponse error. </a:t>
+            </a:r>
+          </a:p>
+          <a:p>
+            <a:r>
+              <a:rPr lang="en-US" dirty="0"/>
+              <a:t>This type of error is usually encountered in any communication –based project. </a:t>
+            </a:r>
+          </a:p>
+          <a:p>
+            <a:endParaRPr lang="en-US" dirty="0"/>
+          </a:p>
+          <a:p>
+            <a:r>
+              <a:rPr lang="en-US" dirty="0"/>
+              <a:t>It’s the error from failing to obtain … </a:t>
+            </a:r>
+          </a:p>
+          <a:p>
+            <a:endParaRPr lang="en-US" dirty="0"/>
+          </a:p>
+          <a:p>
+            <a:r>
+              <a:rPr lang="en-US" dirty="0"/>
+              <a:t>It’s a potential problem, because it can create systematic difference between those who respond, and those who do not respond. </a:t>
+            </a:r>
+          </a:p>
+          <a:p>
+            <a:endParaRPr lang="en-US" dirty="0"/>
+          </a:p>
+          <a:p>
+            <a:r>
+              <a:rPr lang="en-US" dirty="0"/>
+              <a:t>We will also cover the methods to assess and counter this method. But there is no fool-proof  plan against this type of error (or at least with our current state-of-the-art)</a:t>
             </a:r>
           </a:p>
           <a:p>
@@ -8911,7 +9067,7 @@
           <a:p>
             <a:fld id="{BC849E9A-41F7-4779-A581-48A7C374A227}" type="slidenum">
               <a:rPr lang="en-US" smtClean="0"/>
-              <a:t>17</a:t>
+              <a:t>16</a:t>
             </a:fld>
             <a:endParaRPr lang="en-US" dirty="0"/>
           </a:p>
@@ -8920,7 +9076,7 @@
     </p:spTree>
     <p:extLst>
       <p:ext uri="{BB962C8B-B14F-4D97-AF65-F5344CB8AC3E}">
-        <p14:creationId xmlns:p14="http://schemas.microsoft.com/office/powerpoint/2010/main" val="970138583"/>
+        <p14:creationId xmlns:p14="http://schemas.microsoft.com/office/powerpoint/2010/main" val="1019548198"/>
       </p:ext>
     </p:extLst>
   </p:cSld>
@@ -8976,70 +9132,7 @@
           <a:p>
             <a:r>
               <a:rPr lang="en-US" dirty="0"/>
-              <a:t>It’s better to work hard at generating responses from a smaller sampling pool than to start with a much larger sampling pool and ignore potential nonresponse error, even if the resulting sample size is smaller </a:t>
-            </a:r>
-          </a:p>
-          <a:p>
-            <a:r>
-              <a:rPr lang="en-US" dirty="0"/>
-              <a:t>Pay attention to the response rates delivered by different online panel companies. The completion rate is not the same thing as the overall response rate! </a:t>
-            </a:r>
-          </a:p>
-          <a:p>
-            <a:endParaRPr lang="en-US" dirty="0"/>
-          </a:p>
-          <a:p>
-            <a:r>
-              <a:rPr lang="en-US" dirty="0"/>
-              <a:t>For example. if 1000 persons were asked to take part in a survey, 100 of them accepted and 90 actually completed questionnaire then response rate is 10% (RR=100/1000) and completion rate is 90% (CR=90/100). Completion rate can provide information about survey instrument - if certain questions are not filled in more often then some other (i.e. have lower completion rate) then they are probably sensitive and if the interviewing is stopped or interrupted after some time then it is likely that survey procedure is exhausting (long questionnaire, for example).</a:t>
-            </a:r>
-          </a:p>
-          <a:p>
-            <a:endParaRPr lang="en-US" dirty="0"/>
-          </a:p>
-          <a:p>
-            <a:endParaRPr lang="en-US" dirty="0"/>
-          </a:p>
-          <a:p>
-            <a:r>
-              <a:rPr lang="en-US" dirty="0"/>
-              <a:t>This bias mostly comes from the fact that people refuse to participate in your study </a:t>
-            </a:r>
-          </a:p>
-          <a:p>
-            <a:r>
-              <a:rPr lang="en-US" dirty="0"/>
-              <a:t>And the rate of refusals depends on many factor. </a:t>
-            </a:r>
-          </a:p>
-          <a:p>
-            <a:r>
-              <a:rPr lang="en-US" dirty="0"/>
-              <a:t>But in practice, personal interviews seem to have the lowest rate of refusals because of the social nature of the contact. </a:t>
-            </a:r>
-          </a:p>
-          <a:p>
-            <a:r>
-              <a:rPr lang="en-US" dirty="0"/>
-              <a:t>A respondent doesn’t run the risk of hurting someone’s feelings by deleting an email message or throwing a mail survey in a trash can , or during phone interview, interviewers can’t use the interpersonal nature of conversations to their advantage. </a:t>
-            </a:r>
-          </a:p>
-          <a:p>
-            <a:endParaRPr lang="en-US" dirty="0"/>
-          </a:p>
-          <a:p>
-            <a:r>
-              <a:rPr lang="en-US" dirty="0"/>
-              <a:t>It’s important that you usually have to make multiple requests. That’s why you might see companies asking for your response multiple times. </a:t>
-            </a:r>
-          </a:p>
-          <a:p>
-            <a:endParaRPr lang="en-US" dirty="0"/>
-          </a:p>
-          <a:p>
-            <a:r>
-              <a:rPr lang="en-US" dirty="0"/>
-              <a:t>Another nonresponse bias can creep in when you do phone interview, which is classified as not-at-homes. </a:t>
+              <a:t>Say that you want to assess the success of Mizzou’s graduates based on their annual salaries within 5 years after graduation.</a:t>
             </a:r>
           </a:p>
           <a:p>
@@ -9064,7 +9157,7 @@
           <a:p>
             <a:fld id="{BC849E9A-41F7-4779-A581-48A7C374A227}" type="slidenum">
               <a:rPr lang="en-US" smtClean="0"/>
-              <a:t>18</a:t>
+              <a:t>17</a:t>
             </a:fld>
             <a:endParaRPr lang="en-US" dirty="0"/>
           </a:p>
@@ -9073,7 +9166,7 @@
     </p:spTree>
     <p:extLst>
       <p:ext uri="{BB962C8B-B14F-4D97-AF65-F5344CB8AC3E}">
-        <p14:creationId xmlns:p14="http://schemas.microsoft.com/office/powerpoint/2010/main" val="2161298805"/>
+        <p14:creationId xmlns:p14="http://schemas.microsoft.com/office/powerpoint/2010/main" val="970138583"/>
       </p:ext>
     </p:extLst>
   </p:cSld>
@@ -9230,7 +9323,7 @@
           <a:p>
             <a:fld id="{DECF21A4-E71B-4D3A-AF45-E989C23A7BB1}" type="datetimeFigureOut">
               <a:rPr lang="en-US" smtClean="0"/>
-              <a:t>3/2/2022</a:t>
+              <a:t>2/28/2023</a:t>
             </a:fld>
             <a:endParaRPr lang="en-US" dirty="0"/>
           </a:p>
@@ -9428,7 +9521,7 @@
           <a:p>
             <a:fld id="{DECF21A4-E71B-4D3A-AF45-E989C23A7BB1}" type="datetimeFigureOut">
               <a:rPr lang="en-US" smtClean="0"/>
-              <a:t>3/2/2022</a:t>
+              <a:t>2/28/2023</a:t>
             </a:fld>
             <a:endParaRPr lang="en-US" dirty="0"/>
           </a:p>
@@ -9636,7 +9729,7 @@
           <a:p>
             <a:fld id="{DECF21A4-E71B-4D3A-AF45-E989C23A7BB1}" type="datetimeFigureOut">
               <a:rPr lang="en-US" smtClean="0"/>
-              <a:t>3/2/2022</a:t>
+              <a:t>2/28/2023</a:t>
             </a:fld>
             <a:endParaRPr lang="en-US" dirty="0"/>
           </a:p>
@@ -9834,7 +9927,7 @@
           <a:p>
             <a:fld id="{DECF21A4-E71B-4D3A-AF45-E989C23A7BB1}" type="datetimeFigureOut">
               <a:rPr lang="en-US" smtClean="0"/>
-              <a:t>3/2/2022</a:t>
+              <a:t>2/28/2023</a:t>
             </a:fld>
             <a:endParaRPr lang="en-US" dirty="0"/>
           </a:p>
@@ -10109,7 +10202,7 @@
           <a:p>
             <a:fld id="{DECF21A4-E71B-4D3A-AF45-E989C23A7BB1}" type="datetimeFigureOut">
               <a:rPr lang="en-US" smtClean="0"/>
-              <a:t>3/2/2022</a:t>
+              <a:t>2/28/2023</a:t>
             </a:fld>
             <a:endParaRPr lang="en-US" dirty="0"/>
           </a:p>
@@ -10374,7 +10467,7 @@
           <a:p>
             <a:fld id="{DECF21A4-E71B-4D3A-AF45-E989C23A7BB1}" type="datetimeFigureOut">
               <a:rPr lang="en-US" smtClean="0"/>
-              <a:t>3/2/2022</a:t>
+              <a:t>2/28/2023</a:t>
             </a:fld>
             <a:endParaRPr lang="en-US" dirty="0"/>
           </a:p>
@@ -10786,7 +10879,7 @@
           <a:p>
             <a:fld id="{DECF21A4-E71B-4D3A-AF45-E989C23A7BB1}" type="datetimeFigureOut">
               <a:rPr lang="en-US" smtClean="0"/>
-              <a:t>3/2/2022</a:t>
+              <a:t>2/28/2023</a:t>
             </a:fld>
             <a:endParaRPr lang="en-US" dirty="0"/>
           </a:p>
@@ -10927,7 +11020,7 @@
           <a:p>
             <a:fld id="{DECF21A4-E71B-4D3A-AF45-E989C23A7BB1}" type="datetimeFigureOut">
               <a:rPr lang="en-US" smtClean="0"/>
-              <a:t>3/2/2022</a:t>
+              <a:t>2/28/2023</a:t>
             </a:fld>
             <a:endParaRPr lang="en-US" dirty="0"/>
           </a:p>
@@ -11040,7 +11133,7 @@
           <a:p>
             <a:fld id="{DECF21A4-E71B-4D3A-AF45-E989C23A7BB1}" type="datetimeFigureOut">
               <a:rPr lang="en-US" smtClean="0"/>
-              <a:t>3/2/2022</a:t>
+              <a:t>2/28/2023</a:t>
             </a:fld>
             <a:endParaRPr lang="en-US" dirty="0"/>
           </a:p>
@@ -11351,7 +11444,7 @@
           <a:p>
             <a:fld id="{DECF21A4-E71B-4D3A-AF45-E989C23A7BB1}" type="datetimeFigureOut">
               <a:rPr lang="en-US" smtClean="0"/>
-              <a:t>3/2/2022</a:t>
+              <a:t>2/28/2023</a:t>
             </a:fld>
             <a:endParaRPr lang="en-US" dirty="0"/>
           </a:p>
@@ -11643,7 +11736,7 @@
           <a:p>
             <a:fld id="{DECF21A4-E71B-4D3A-AF45-E989C23A7BB1}" type="datetimeFigureOut">
               <a:rPr lang="en-US" smtClean="0"/>
-              <a:t>3/2/2022</a:t>
+              <a:t>2/28/2023</a:t>
             </a:fld>
             <a:endParaRPr lang="en-US" dirty="0"/>
           </a:p>
@@ -11884,7 +11977,7 @@
           <a:p>
             <a:fld id="{DECF21A4-E71B-4D3A-AF45-E989C23A7BB1}" type="datetimeFigureOut">
               <a:rPr lang="en-US" smtClean="0"/>
-              <a:t>3/2/2022</a:t>
+              <a:t>2/28/2023</a:t>
             </a:fld>
             <a:endParaRPr lang="en-US" dirty="0"/>
           </a:p>
@@ -12946,6 +13039,266 @@
   <p:clrMapOvr>
     <a:masterClrMapping/>
   </p:clrMapOvr>
+  <p:timing>
+    <p:tnLst>
+      <p:par>
+        <p:cTn id="1" dur="indefinite" restart="never" nodeType="tmRoot">
+          <p:childTnLst>
+            <p:seq concurrent="1" nextAc="seek">
+              <p:cTn id="2" dur="indefinite" nodeType="mainSeq">
+                <p:childTnLst>
+                  <p:par>
+                    <p:cTn id="3" fill="hold">
+                      <p:stCondLst>
+                        <p:cond delay="indefinite"/>
+                      </p:stCondLst>
+                      <p:childTnLst>
+                        <p:par>
+                          <p:cTn id="4" fill="hold">
+                            <p:stCondLst>
+                              <p:cond delay="0"/>
+                            </p:stCondLst>
+                            <p:childTnLst>
+                              <p:par>
+                                <p:cTn id="5" presetID="1" presetClass="entr" presetSubtype="0" fill="hold" grpId="0" nodeType="clickEffect">
+                                  <p:stCondLst>
+                                    <p:cond delay="0"/>
+                                  </p:stCondLst>
+                                  <p:childTnLst>
+                                    <p:set>
+                                      <p:cBhvr>
+                                        <p:cTn id="6" dur="1" fill="hold">
+                                          <p:stCondLst>
+                                            <p:cond delay="0"/>
+                                          </p:stCondLst>
+                                        </p:cTn>
+                                        <p:tgtEl>
+                                          <p:spTgt spid="3">
+                                            <p:txEl>
+                                              <p:pRg st="0" end="0"/>
+                                            </p:txEl>
+                                          </p:spTgt>
+                                        </p:tgtEl>
+                                        <p:attrNameLst>
+                                          <p:attrName>style.visibility</p:attrName>
+                                        </p:attrNameLst>
+                                      </p:cBhvr>
+                                      <p:to>
+                                        <p:strVal val="visible"/>
+                                      </p:to>
+                                    </p:set>
+                                  </p:childTnLst>
+                                </p:cTn>
+                              </p:par>
+                            </p:childTnLst>
+                          </p:cTn>
+                        </p:par>
+                      </p:childTnLst>
+                    </p:cTn>
+                  </p:par>
+                  <p:par>
+                    <p:cTn id="7" fill="hold">
+                      <p:stCondLst>
+                        <p:cond delay="indefinite"/>
+                      </p:stCondLst>
+                      <p:childTnLst>
+                        <p:par>
+                          <p:cTn id="8" fill="hold">
+                            <p:stCondLst>
+                              <p:cond delay="0"/>
+                            </p:stCondLst>
+                            <p:childTnLst>
+                              <p:par>
+                                <p:cTn id="9" presetID="1" presetClass="entr" presetSubtype="0" fill="hold" grpId="0" nodeType="clickEffect">
+                                  <p:stCondLst>
+                                    <p:cond delay="0"/>
+                                  </p:stCondLst>
+                                  <p:childTnLst>
+                                    <p:set>
+                                      <p:cBhvr>
+                                        <p:cTn id="10" dur="1" fill="hold">
+                                          <p:stCondLst>
+                                            <p:cond delay="0"/>
+                                          </p:stCondLst>
+                                        </p:cTn>
+                                        <p:tgtEl>
+                                          <p:spTgt spid="3">
+                                            <p:txEl>
+                                              <p:pRg st="1" end="1"/>
+                                            </p:txEl>
+                                          </p:spTgt>
+                                        </p:tgtEl>
+                                        <p:attrNameLst>
+                                          <p:attrName>style.visibility</p:attrName>
+                                        </p:attrNameLst>
+                                      </p:cBhvr>
+                                      <p:to>
+                                        <p:strVal val="visible"/>
+                                      </p:to>
+                                    </p:set>
+                                  </p:childTnLst>
+                                </p:cTn>
+                              </p:par>
+                            </p:childTnLst>
+                          </p:cTn>
+                        </p:par>
+                      </p:childTnLst>
+                    </p:cTn>
+                  </p:par>
+                  <p:par>
+                    <p:cTn id="11" fill="hold">
+                      <p:stCondLst>
+                        <p:cond delay="indefinite"/>
+                      </p:stCondLst>
+                      <p:childTnLst>
+                        <p:par>
+                          <p:cTn id="12" fill="hold">
+                            <p:stCondLst>
+                              <p:cond delay="0"/>
+                            </p:stCondLst>
+                            <p:childTnLst>
+                              <p:par>
+                                <p:cTn id="13" presetID="1" presetClass="entr" presetSubtype="0" fill="hold" grpId="0" nodeType="clickEffect">
+                                  <p:stCondLst>
+                                    <p:cond delay="0"/>
+                                  </p:stCondLst>
+                                  <p:childTnLst>
+                                    <p:set>
+                                      <p:cBhvr>
+                                        <p:cTn id="14" dur="1" fill="hold">
+                                          <p:stCondLst>
+                                            <p:cond delay="0"/>
+                                          </p:stCondLst>
+                                        </p:cTn>
+                                        <p:tgtEl>
+                                          <p:spTgt spid="3">
+                                            <p:txEl>
+                                              <p:pRg st="2" end="2"/>
+                                            </p:txEl>
+                                          </p:spTgt>
+                                        </p:tgtEl>
+                                        <p:attrNameLst>
+                                          <p:attrName>style.visibility</p:attrName>
+                                        </p:attrNameLst>
+                                      </p:cBhvr>
+                                      <p:to>
+                                        <p:strVal val="visible"/>
+                                      </p:to>
+                                    </p:set>
+                                  </p:childTnLst>
+                                </p:cTn>
+                              </p:par>
+                              <p:par>
+                                <p:cTn id="15" presetID="1" presetClass="entr" presetSubtype="0" fill="hold" grpId="0" nodeType="withEffect">
+                                  <p:stCondLst>
+                                    <p:cond delay="0"/>
+                                  </p:stCondLst>
+                                  <p:childTnLst>
+                                    <p:set>
+                                      <p:cBhvr>
+                                        <p:cTn id="16" dur="1" fill="hold">
+                                          <p:stCondLst>
+                                            <p:cond delay="0"/>
+                                          </p:stCondLst>
+                                        </p:cTn>
+                                        <p:tgtEl>
+                                          <p:spTgt spid="3">
+                                            <p:txEl>
+                                              <p:pRg st="3" end="3"/>
+                                            </p:txEl>
+                                          </p:spTgt>
+                                        </p:tgtEl>
+                                        <p:attrNameLst>
+                                          <p:attrName>style.visibility</p:attrName>
+                                        </p:attrNameLst>
+                                      </p:cBhvr>
+                                      <p:to>
+                                        <p:strVal val="visible"/>
+                                      </p:to>
+                                    </p:set>
+                                  </p:childTnLst>
+                                </p:cTn>
+                              </p:par>
+                            </p:childTnLst>
+                          </p:cTn>
+                        </p:par>
+                      </p:childTnLst>
+                    </p:cTn>
+                  </p:par>
+                  <p:par>
+                    <p:cTn id="17" fill="hold">
+                      <p:stCondLst>
+                        <p:cond delay="indefinite"/>
+                      </p:stCondLst>
+                      <p:childTnLst>
+                        <p:par>
+                          <p:cTn id="18" fill="hold">
+                            <p:stCondLst>
+                              <p:cond delay="0"/>
+                            </p:stCondLst>
+                            <p:childTnLst>
+                              <p:par>
+                                <p:cTn id="19" presetID="1" presetClass="entr" presetSubtype="0" fill="hold" grpId="0" nodeType="clickEffect">
+                                  <p:stCondLst>
+                                    <p:cond delay="0"/>
+                                  </p:stCondLst>
+                                  <p:childTnLst>
+                                    <p:set>
+                                      <p:cBhvr>
+                                        <p:cTn id="20" dur="1" fill="hold">
+                                          <p:stCondLst>
+                                            <p:cond delay="0"/>
+                                          </p:stCondLst>
+                                        </p:cTn>
+                                        <p:tgtEl>
+                                          <p:spTgt spid="3">
+                                            <p:txEl>
+                                              <p:pRg st="4" end="4"/>
+                                            </p:txEl>
+                                          </p:spTgt>
+                                        </p:tgtEl>
+                                        <p:attrNameLst>
+                                          <p:attrName>style.visibility</p:attrName>
+                                        </p:attrNameLst>
+                                      </p:cBhvr>
+                                      <p:to>
+                                        <p:strVal val="visible"/>
+                                      </p:to>
+                                    </p:set>
+                                  </p:childTnLst>
+                                </p:cTn>
+                              </p:par>
+                            </p:childTnLst>
+                          </p:cTn>
+                        </p:par>
+                      </p:childTnLst>
+                    </p:cTn>
+                  </p:par>
+                </p:childTnLst>
+              </p:cTn>
+              <p:prevCondLst>
+                <p:cond evt="onPrev" delay="0">
+                  <p:tgtEl>
+                    <p:sldTgt/>
+                  </p:tgtEl>
+                </p:cond>
+              </p:prevCondLst>
+              <p:nextCondLst>
+                <p:cond evt="onNext" delay="0">
+                  <p:tgtEl>
+                    <p:sldTgt/>
+                  </p:tgtEl>
+                </p:cond>
+              </p:nextCondLst>
+            </p:seq>
+          </p:childTnLst>
+        </p:cTn>
+      </p:par>
+    </p:tnLst>
+    <p:bldLst>
+      <p:bldP spid="3" grpId="0" build="p"/>
+    </p:bldLst>
+  </p:timing>
 </p:sld>
 </file>
 
@@ -14644,41 +14997,41 @@
               <a:buNone/>
             </a:pPr>
             <a:r>
-              <a:rPr lang="en-US" sz="1600"/>
-              <a:t>The difference between results obtained from a sample and results that would have been obtained had info been gathered from or about every member of the population </a:t>
+              <a:rPr lang="en-US" sz="1600" dirty="0"/>
+              <a:t>The difference between results obtained from a sample and results that would have been obtained had info been gathered from or about every member of the population. </a:t>
             </a:r>
           </a:p>
           <a:p>
             <a:pPr lvl="1"/>
             <a:r>
-              <a:rPr lang="en-US" sz="1600"/>
+              <a:rPr lang="en-US" sz="1600" dirty="0"/>
               <a:t>Decreased by increasing sample size </a:t>
             </a:r>
           </a:p>
           <a:p>
             <a:pPr lvl="1"/>
             <a:r>
-              <a:rPr lang="en-US" sz="1600"/>
+              <a:rPr lang="en-US" sz="1600" dirty="0"/>
               <a:t>Can be estimated (assuming probability sample) </a:t>
             </a:r>
           </a:p>
           <a:p>
             <a:pPr lvl="1"/>
             <a:r>
-              <a:rPr lang="en-US" sz="1600"/>
-              <a:t>Usually less trouble some than other kinds of error</a:t>
+              <a:rPr lang="en-US" sz="1600" dirty="0"/>
+              <a:t>Usually less troublesome than other kinds of error</a:t>
             </a:r>
           </a:p>
           <a:p>
             <a:r>
-              <a:rPr lang="en-US" sz="1600"/>
-              <a:t>However, sampling error usually isn’t the biggest problem – it’s all the other things that contribute error to a project. </a:t>
+              <a:rPr lang="en-US" sz="1600" dirty="0"/>
+              <a:t>However, sampling error usually isn’t the biggest problem – it’s all the other things that contribute to error a project. </a:t>
             </a:r>
           </a:p>
           <a:p>
             <a:pPr lvl="1"/>
             <a:r>
-              <a:rPr lang="en-US" sz="1600"/>
+              <a:rPr lang="en-US" sz="1600" dirty="0"/>
               <a:t>And these other sources of error can’t be accounted for statistically …  </a:t>
             </a:r>
           </a:p>
@@ -14733,6 +15086,261 @@
   <p:clrMapOvr>
     <a:masterClrMapping/>
   </p:clrMapOvr>
+  <p:timing>
+    <p:tnLst>
+      <p:par>
+        <p:cTn id="1" dur="indefinite" restart="never" nodeType="tmRoot">
+          <p:childTnLst>
+            <p:seq concurrent="1" nextAc="seek">
+              <p:cTn id="2" dur="indefinite" nodeType="mainSeq">
+                <p:childTnLst>
+                  <p:par>
+                    <p:cTn id="3" fill="hold">
+                      <p:stCondLst>
+                        <p:cond delay="indefinite"/>
+                      </p:stCondLst>
+                      <p:childTnLst>
+                        <p:par>
+                          <p:cTn id="4" fill="hold">
+                            <p:stCondLst>
+                              <p:cond delay="0"/>
+                            </p:stCondLst>
+                            <p:childTnLst>
+                              <p:par>
+                                <p:cTn id="5" presetID="1" presetClass="entr" presetSubtype="0" fill="hold" grpId="0" nodeType="clickEffect">
+                                  <p:stCondLst>
+                                    <p:cond delay="0"/>
+                                  </p:stCondLst>
+                                  <p:childTnLst>
+                                    <p:set>
+                                      <p:cBhvr>
+                                        <p:cTn id="6" dur="1" fill="hold">
+                                          <p:stCondLst>
+                                            <p:cond delay="0"/>
+                                          </p:stCondLst>
+                                        </p:cTn>
+                                        <p:tgtEl>
+                                          <p:spTgt spid="3">
+                                            <p:txEl>
+                                              <p:pRg st="0" end="0"/>
+                                            </p:txEl>
+                                          </p:spTgt>
+                                        </p:tgtEl>
+                                        <p:attrNameLst>
+                                          <p:attrName>style.visibility</p:attrName>
+                                        </p:attrNameLst>
+                                      </p:cBhvr>
+                                      <p:to>
+                                        <p:strVal val="visible"/>
+                                      </p:to>
+                                    </p:set>
+                                  </p:childTnLst>
+                                </p:cTn>
+                              </p:par>
+                              <p:par>
+                                <p:cTn id="7" presetID="1" presetClass="entr" presetSubtype="0" fill="hold" grpId="0" nodeType="withEffect">
+                                  <p:stCondLst>
+                                    <p:cond delay="0"/>
+                                  </p:stCondLst>
+                                  <p:childTnLst>
+                                    <p:set>
+                                      <p:cBhvr>
+                                        <p:cTn id="8" dur="1" fill="hold">
+                                          <p:stCondLst>
+                                            <p:cond delay="0"/>
+                                          </p:stCondLst>
+                                        </p:cTn>
+                                        <p:tgtEl>
+                                          <p:spTgt spid="3">
+                                            <p:txEl>
+                                              <p:pRg st="1" end="1"/>
+                                            </p:txEl>
+                                          </p:spTgt>
+                                        </p:tgtEl>
+                                        <p:attrNameLst>
+                                          <p:attrName>style.visibility</p:attrName>
+                                        </p:attrNameLst>
+                                      </p:cBhvr>
+                                      <p:to>
+                                        <p:strVal val="visible"/>
+                                      </p:to>
+                                    </p:set>
+                                  </p:childTnLst>
+                                </p:cTn>
+                              </p:par>
+                              <p:par>
+                                <p:cTn id="9" presetID="1" presetClass="entr" presetSubtype="0" fill="hold" grpId="0" nodeType="withEffect">
+                                  <p:stCondLst>
+                                    <p:cond delay="0"/>
+                                  </p:stCondLst>
+                                  <p:childTnLst>
+                                    <p:set>
+                                      <p:cBhvr>
+                                        <p:cTn id="10" dur="1" fill="hold">
+                                          <p:stCondLst>
+                                            <p:cond delay="0"/>
+                                          </p:stCondLst>
+                                        </p:cTn>
+                                        <p:tgtEl>
+                                          <p:spTgt spid="3">
+                                            <p:txEl>
+                                              <p:pRg st="2" end="2"/>
+                                            </p:txEl>
+                                          </p:spTgt>
+                                        </p:tgtEl>
+                                        <p:attrNameLst>
+                                          <p:attrName>style.visibility</p:attrName>
+                                        </p:attrNameLst>
+                                      </p:cBhvr>
+                                      <p:to>
+                                        <p:strVal val="visible"/>
+                                      </p:to>
+                                    </p:set>
+                                  </p:childTnLst>
+                                </p:cTn>
+                              </p:par>
+                              <p:par>
+                                <p:cTn id="11" presetID="1" presetClass="entr" presetSubtype="0" fill="hold" grpId="0" nodeType="withEffect">
+                                  <p:stCondLst>
+                                    <p:cond delay="0"/>
+                                  </p:stCondLst>
+                                  <p:childTnLst>
+                                    <p:set>
+                                      <p:cBhvr>
+                                        <p:cTn id="12" dur="1" fill="hold">
+                                          <p:stCondLst>
+                                            <p:cond delay="0"/>
+                                          </p:stCondLst>
+                                        </p:cTn>
+                                        <p:tgtEl>
+                                          <p:spTgt spid="3">
+                                            <p:txEl>
+                                              <p:pRg st="3" end="3"/>
+                                            </p:txEl>
+                                          </p:spTgt>
+                                        </p:tgtEl>
+                                        <p:attrNameLst>
+                                          <p:attrName>style.visibility</p:attrName>
+                                        </p:attrNameLst>
+                                      </p:cBhvr>
+                                      <p:to>
+                                        <p:strVal val="visible"/>
+                                      </p:to>
+                                    </p:set>
+                                  </p:childTnLst>
+                                </p:cTn>
+                              </p:par>
+                            </p:childTnLst>
+                          </p:cTn>
+                        </p:par>
+                      </p:childTnLst>
+                    </p:cTn>
+                  </p:par>
+                  <p:par>
+                    <p:cTn id="13" fill="hold">
+                      <p:stCondLst>
+                        <p:cond delay="indefinite"/>
+                      </p:stCondLst>
+                      <p:childTnLst>
+                        <p:par>
+                          <p:cTn id="14" fill="hold">
+                            <p:stCondLst>
+                              <p:cond delay="0"/>
+                            </p:stCondLst>
+                            <p:childTnLst>
+                              <p:par>
+                                <p:cTn id="15" presetID="1" presetClass="entr" presetSubtype="0" fill="hold" grpId="0" nodeType="clickEffect">
+                                  <p:stCondLst>
+                                    <p:cond delay="0"/>
+                                  </p:stCondLst>
+                                  <p:childTnLst>
+                                    <p:set>
+                                      <p:cBhvr>
+                                        <p:cTn id="16" dur="1" fill="hold">
+                                          <p:stCondLst>
+                                            <p:cond delay="0"/>
+                                          </p:stCondLst>
+                                        </p:cTn>
+                                        <p:tgtEl>
+                                          <p:spTgt spid="3">
+                                            <p:txEl>
+                                              <p:pRg st="4" end="4"/>
+                                            </p:txEl>
+                                          </p:spTgt>
+                                        </p:tgtEl>
+                                        <p:attrNameLst>
+                                          <p:attrName>style.visibility</p:attrName>
+                                        </p:attrNameLst>
+                                      </p:cBhvr>
+                                      <p:to>
+                                        <p:strVal val="visible"/>
+                                      </p:to>
+                                    </p:set>
+                                  </p:childTnLst>
+                                </p:cTn>
+                              </p:par>
+                              <p:par>
+                                <p:cTn id="17" presetID="1" presetClass="entr" presetSubtype="0" fill="hold" grpId="0" nodeType="withEffect">
+                                  <p:stCondLst>
+                                    <p:cond delay="0"/>
+                                  </p:stCondLst>
+                                  <p:childTnLst>
+                                    <p:set>
+                                      <p:cBhvr>
+                                        <p:cTn id="18" dur="1" fill="hold">
+                                          <p:stCondLst>
+                                            <p:cond delay="0"/>
+                                          </p:stCondLst>
+                                        </p:cTn>
+                                        <p:tgtEl>
+                                          <p:spTgt spid="3">
+                                            <p:txEl>
+                                              <p:pRg st="5" end="5"/>
+                                            </p:txEl>
+                                          </p:spTgt>
+                                        </p:tgtEl>
+                                        <p:attrNameLst>
+                                          <p:attrName>style.visibility</p:attrName>
+                                        </p:attrNameLst>
+                                      </p:cBhvr>
+                                      <p:to>
+                                        <p:strVal val="visible"/>
+                                      </p:to>
+                                    </p:set>
+                                  </p:childTnLst>
+                                </p:cTn>
+                              </p:par>
+                            </p:childTnLst>
+                          </p:cTn>
+                        </p:par>
+                      </p:childTnLst>
+                    </p:cTn>
+                  </p:par>
+                </p:childTnLst>
+              </p:cTn>
+              <p:prevCondLst>
+                <p:cond evt="onPrev" delay="0">
+                  <p:tgtEl>
+                    <p:sldTgt/>
+                  </p:tgtEl>
+                </p:cond>
+              </p:prevCondLst>
+              <p:nextCondLst>
+                <p:cond evt="onNext" delay="0">
+                  <p:tgtEl>
+                    <p:sldTgt/>
+                  </p:tgtEl>
+                </p:cond>
+              </p:nextCondLst>
+            </p:seq>
+          </p:childTnLst>
+        </p:cTn>
+      </p:par>
+    </p:tnLst>
+    <p:bldLst>
+      <p:bldP spid="3" grpId="0" build="p"/>
+    </p:bldLst>
+  </p:timing>
 </p:sld>
 </file>
 
@@ -14828,14 +15436,14 @@
               <a:buNone/>
             </a:pPr>
             <a:r>
-              <a:rPr lang="en-US" sz="2000"/>
+              <a:rPr lang="en-US" sz="2000" dirty="0"/>
               <a:t>Error that arises because of failure to include qualified elements of the defined population in the sampling frame </a:t>
             </a:r>
           </a:p>
           <a:p>
             <a:pPr lvl="1"/>
             <a:r>
-              <a:rPr lang="en-US" sz="2000"/>
+              <a:rPr lang="en-US" sz="2000" dirty="0"/>
               <a:t>Noncoverage error is essentially a sampling frame problem</a:t>
             </a:r>
           </a:p>
@@ -15109,6 +15717,137 @@
   <p:clrMapOvr>
     <a:masterClrMapping/>
   </p:clrMapOvr>
+  <p:timing>
+    <p:tnLst>
+      <p:par>
+        <p:cTn id="1" dur="indefinite" restart="never" nodeType="tmRoot">
+          <p:childTnLst>
+            <p:seq concurrent="1" nextAc="seek">
+              <p:cTn id="2" dur="indefinite" nodeType="mainSeq">
+                <p:childTnLst>
+                  <p:par>
+                    <p:cTn id="3" fill="hold">
+                      <p:stCondLst>
+                        <p:cond delay="indefinite"/>
+                      </p:stCondLst>
+                      <p:childTnLst>
+                        <p:par>
+                          <p:cTn id="4" fill="hold">
+                            <p:stCondLst>
+                              <p:cond delay="0"/>
+                            </p:stCondLst>
+                            <p:childTnLst>
+                              <p:par>
+                                <p:cTn id="5" presetID="1" presetClass="entr" presetSubtype="0" fill="hold" grpId="0" nodeType="clickEffect">
+                                  <p:stCondLst>
+                                    <p:cond delay="0"/>
+                                  </p:stCondLst>
+                                  <p:childTnLst>
+                                    <p:set>
+                                      <p:cBhvr>
+                                        <p:cTn id="6" dur="1" fill="hold">
+                                          <p:stCondLst>
+                                            <p:cond delay="0"/>
+                                          </p:stCondLst>
+                                        </p:cTn>
+                                        <p:tgtEl>
+                                          <p:spTgt spid="3">
+                                            <p:txEl>
+                                              <p:pRg st="0" end="0"/>
+                                            </p:txEl>
+                                          </p:spTgt>
+                                        </p:tgtEl>
+                                        <p:attrNameLst>
+                                          <p:attrName>style.visibility</p:attrName>
+                                        </p:attrNameLst>
+                                      </p:cBhvr>
+                                      <p:to>
+                                        <p:strVal val="visible"/>
+                                      </p:to>
+                                    </p:set>
+                                  </p:childTnLst>
+                                </p:cTn>
+                              </p:par>
+                            </p:childTnLst>
+                          </p:cTn>
+                        </p:par>
+                      </p:childTnLst>
+                    </p:cTn>
+                  </p:par>
+                  <p:par>
+                    <p:cTn id="7" fill="hold">
+                      <p:stCondLst>
+                        <p:cond delay="indefinite"/>
+                      </p:stCondLst>
+                      <p:childTnLst>
+                        <p:par>
+                          <p:cTn id="8" fill="hold">
+                            <p:stCondLst>
+                              <p:cond delay="0"/>
+                            </p:stCondLst>
+                            <p:childTnLst>
+                              <p:par>
+                                <p:cTn id="9" presetID="1" presetClass="entr" presetSubtype="0" fill="hold" nodeType="clickEffect">
+                                  <p:stCondLst>
+                                    <p:cond delay="0"/>
+                                  </p:stCondLst>
+                                  <p:childTnLst>
+                                    <p:set>
+                                      <p:cBhvr>
+                                        <p:cTn id="10" dur="1" fill="hold">
+                                          <p:stCondLst>
+                                            <p:cond delay="0"/>
+                                          </p:stCondLst>
+                                        </p:cTn>
+                                        <p:tgtEl>
+                                          <p:spTgt spid="3">
+                                            <p:txEl>
+                                              <p:pRg st="1" end="1"/>
+                                            </p:txEl>
+                                          </p:spTgt>
+                                        </p:tgtEl>
+                                        <p:attrNameLst>
+                                          <p:attrName>style.visibility</p:attrName>
+                                        </p:attrNameLst>
+                                      </p:cBhvr>
+                                      <p:to>
+                                        <p:strVal val="visible"/>
+                                      </p:to>
+                                    </p:set>
+                                  </p:childTnLst>
+                                </p:cTn>
+                              </p:par>
+                            </p:childTnLst>
+                          </p:cTn>
+                        </p:par>
+                      </p:childTnLst>
+                    </p:cTn>
+                  </p:par>
+                </p:childTnLst>
+              </p:cTn>
+              <p:prevCondLst>
+                <p:cond evt="onPrev" delay="0">
+                  <p:tgtEl>
+                    <p:sldTgt/>
+                  </p:tgtEl>
+                </p:cond>
+              </p:prevCondLst>
+              <p:nextCondLst>
+                <p:cond evt="onNext" delay="0">
+                  <p:tgtEl>
+                    <p:sldTgt/>
+                  </p:tgtEl>
+                </p:cond>
+              </p:nextCondLst>
+            </p:seq>
+          </p:childTnLst>
+        </p:cTn>
+      </p:par>
+    </p:tnLst>
+    <p:bldLst>
+      <p:bldP spid="3" grpId="0" uiExpand="1" build="p"/>
+    </p:bldLst>
+  </p:timing>
 </p:sld>
 </file>
 
@@ -15674,6 +16413,134 @@
   <p:clrMapOvr>
     <a:masterClrMapping/>
   </p:clrMapOvr>
+  <p:timing>
+    <p:tnLst>
+      <p:par>
+        <p:cTn id="1" dur="indefinite" restart="never" nodeType="tmRoot">
+          <p:childTnLst>
+            <p:seq concurrent="1" nextAc="seek">
+              <p:cTn id="2" dur="indefinite" nodeType="mainSeq">
+                <p:childTnLst>
+                  <p:par>
+                    <p:cTn id="3" fill="hold">
+                      <p:stCondLst>
+                        <p:cond delay="indefinite"/>
+                      </p:stCondLst>
+                      <p:childTnLst>
+                        <p:par>
+                          <p:cTn id="4" fill="hold">
+                            <p:stCondLst>
+                              <p:cond delay="0"/>
+                            </p:stCondLst>
+                            <p:childTnLst>
+                              <p:par>
+                                <p:cTn id="5" presetID="1" presetClass="entr" presetSubtype="0" fill="hold" nodeType="clickEffect">
+                                  <p:stCondLst>
+                                    <p:cond delay="0"/>
+                                  </p:stCondLst>
+                                  <p:childTnLst>
+                                    <p:set>
+                                      <p:cBhvr>
+                                        <p:cTn id="6" dur="1" fill="hold">
+                                          <p:stCondLst>
+                                            <p:cond delay="0"/>
+                                          </p:stCondLst>
+                                        </p:cTn>
+                                        <p:tgtEl>
+                                          <p:spTgt spid="3">
+                                            <p:txEl>
+                                              <p:pRg st="0" end="0"/>
+                                            </p:txEl>
+                                          </p:spTgt>
+                                        </p:tgtEl>
+                                        <p:attrNameLst>
+                                          <p:attrName>style.visibility</p:attrName>
+                                        </p:attrNameLst>
+                                      </p:cBhvr>
+                                      <p:to>
+                                        <p:strVal val="visible"/>
+                                      </p:to>
+                                    </p:set>
+                                  </p:childTnLst>
+                                </p:cTn>
+                              </p:par>
+                            </p:childTnLst>
+                          </p:cTn>
+                        </p:par>
+                      </p:childTnLst>
+                    </p:cTn>
+                  </p:par>
+                  <p:par>
+                    <p:cTn id="7" fill="hold">
+                      <p:stCondLst>
+                        <p:cond delay="indefinite"/>
+                      </p:stCondLst>
+                      <p:childTnLst>
+                        <p:par>
+                          <p:cTn id="8" fill="hold">
+                            <p:stCondLst>
+                              <p:cond delay="0"/>
+                            </p:stCondLst>
+                            <p:childTnLst>
+                              <p:par>
+                                <p:cTn id="9" presetID="1" presetClass="entr" presetSubtype="0" fill="hold" nodeType="clickEffect">
+                                  <p:stCondLst>
+                                    <p:cond delay="0"/>
+                                  </p:stCondLst>
+                                  <p:childTnLst>
+                                    <p:set>
+                                      <p:cBhvr>
+                                        <p:cTn id="10" dur="1" fill="hold">
+                                          <p:stCondLst>
+                                            <p:cond delay="0"/>
+                                          </p:stCondLst>
+                                        </p:cTn>
+                                        <p:tgtEl>
+                                          <p:spTgt spid="3">
+                                            <p:txEl>
+                                              <p:pRg st="1" end="1"/>
+                                            </p:txEl>
+                                          </p:spTgt>
+                                        </p:tgtEl>
+                                        <p:attrNameLst>
+                                          <p:attrName>style.visibility</p:attrName>
+                                        </p:attrNameLst>
+                                      </p:cBhvr>
+                                      <p:to>
+                                        <p:strVal val="visible"/>
+                                      </p:to>
+                                    </p:set>
+                                  </p:childTnLst>
+                                </p:cTn>
+                              </p:par>
+                            </p:childTnLst>
+                          </p:cTn>
+                        </p:par>
+                      </p:childTnLst>
+                    </p:cTn>
+                  </p:par>
+                </p:childTnLst>
+              </p:cTn>
+              <p:prevCondLst>
+                <p:cond evt="onPrev" delay="0">
+                  <p:tgtEl>
+                    <p:sldTgt/>
+                  </p:tgtEl>
+                </p:cond>
+              </p:prevCondLst>
+              <p:nextCondLst>
+                <p:cond evt="onNext" delay="0">
+                  <p:tgtEl>
+                    <p:sldTgt/>
+                  </p:tgtEl>
+                </p:cond>
+              </p:nextCondLst>
+            </p:seq>
+          </p:childTnLst>
+        </p:cTn>
+      </p:par>
+    </p:tnLst>
+  </p:timing>
 </p:sld>
 </file>
 
@@ -16902,18 +17769,18 @@
           <a:lstStyle/>
           <a:p>
             <a:r>
-              <a:rPr lang="en-US" sz="2000"/>
+              <a:rPr lang="en-US" sz="2000" dirty="0"/>
               <a:t>Refusals</a:t>
             </a:r>
           </a:p>
           <a:p>
             <a:r>
-              <a:rPr lang="en-US" sz="2000"/>
+              <a:rPr lang="en-US" sz="2000" dirty="0"/>
               <a:t>Not-at-Homes</a:t>
             </a:r>
           </a:p>
           <a:p>
-            <a:endParaRPr lang="en-US" sz="2000"/>
+            <a:endParaRPr lang="en-US" sz="2000" dirty="0"/>
           </a:p>
         </p:txBody>
       </p:sp>
@@ -17208,6 +18075,137 @@
   <p:clrMapOvr>
     <a:masterClrMapping/>
   </p:clrMapOvr>
+  <p:timing>
+    <p:tnLst>
+      <p:par>
+        <p:cTn id="1" dur="indefinite" restart="never" nodeType="tmRoot">
+          <p:childTnLst>
+            <p:seq concurrent="1" nextAc="seek">
+              <p:cTn id="2" dur="indefinite" nodeType="mainSeq">
+                <p:childTnLst>
+                  <p:par>
+                    <p:cTn id="3" fill="hold">
+                      <p:stCondLst>
+                        <p:cond delay="indefinite"/>
+                      </p:stCondLst>
+                      <p:childTnLst>
+                        <p:par>
+                          <p:cTn id="4" fill="hold">
+                            <p:stCondLst>
+                              <p:cond delay="0"/>
+                            </p:stCondLst>
+                            <p:childTnLst>
+                              <p:par>
+                                <p:cTn id="5" presetID="1" presetClass="entr" presetSubtype="0" fill="hold" grpId="0" nodeType="clickEffect">
+                                  <p:stCondLst>
+                                    <p:cond delay="0"/>
+                                  </p:stCondLst>
+                                  <p:childTnLst>
+                                    <p:set>
+                                      <p:cBhvr>
+                                        <p:cTn id="6" dur="1" fill="hold">
+                                          <p:stCondLst>
+                                            <p:cond delay="0"/>
+                                          </p:stCondLst>
+                                        </p:cTn>
+                                        <p:tgtEl>
+                                          <p:spTgt spid="3">
+                                            <p:txEl>
+                                              <p:pRg st="0" end="0"/>
+                                            </p:txEl>
+                                          </p:spTgt>
+                                        </p:tgtEl>
+                                        <p:attrNameLst>
+                                          <p:attrName>style.visibility</p:attrName>
+                                        </p:attrNameLst>
+                                      </p:cBhvr>
+                                      <p:to>
+                                        <p:strVal val="visible"/>
+                                      </p:to>
+                                    </p:set>
+                                  </p:childTnLst>
+                                </p:cTn>
+                              </p:par>
+                            </p:childTnLst>
+                          </p:cTn>
+                        </p:par>
+                      </p:childTnLst>
+                    </p:cTn>
+                  </p:par>
+                  <p:par>
+                    <p:cTn id="7" fill="hold">
+                      <p:stCondLst>
+                        <p:cond delay="indefinite"/>
+                      </p:stCondLst>
+                      <p:childTnLst>
+                        <p:par>
+                          <p:cTn id="8" fill="hold">
+                            <p:stCondLst>
+                              <p:cond delay="0"/>
+                            </p:stCondLst>
+                            <p:childTnLst>
+                              <p:par>
+                                <p:cTn id="9" presetID="1" presetClass="entr" presetSubtype="0" fill="hold" grpId="0" nodeType="clickEffect">
+                                  <p:stCondLst>
+                                    <p:cond delay="0"/>
+                                  </p:stCondLst>
+                                  <p:childTnLst>
+                                    <p:set>
+                                      <p:cBhvr>
+                                        <p:cTn id="10" dur="1" fill="hold">
+                                          <p:stCondLst>
+                                            <p:cond delay="0"/>
+                                          </p:stCondLst>
+                                        </p:cTn>
+                                        <p:tgtEl>
+                                          <p:spTgt spid="3">
+                                            <p:txEl>
+                                              <p:pRg st="1" end="1"/>
+                                            </p:txEl>
+                                          </p:spTgt>
+                                        </p:tgtEl>
+                                        <p:attrNameLst>
+                                          <p:attrName>style.visibility</p:attrName>
+                                        </p:attrNameLst>
+                                      </p:cBhvr>
+                                      <p:to>
+                                        <p:strVal val="visible"/>
+                                      </p:to>
+                                    </p:set>
+                                  </p:childTnLst>
+                                </p:cTn>
+                              </p:par>
+                            </p:childTnLst>
+                          </p:cTn>
+                        </p:par>
+                      </p:childTnLst>
+                    </p:cTn>
+                  </p:par>
+                </p:childTnLst>
+              </p:cTn>
+              <p:prevCondLst>
+                <p:cond evt="onPrev" delay="0">
+                  <p:tgtEl>
+                    <p:sldTgt/>
+                  </p:tgtEl>
+                </p:cond>
+              </p:prevCondLst>
+              <p:nextCondLst>
+                <p:cond evt="onNext" delay="0">
+                  <p:tgtEl>
+                    <p:sldTgt/>
+                  </p:tgtEl>
+                </p:cond>
+              </p:nextCondLst>
+            </p:seq>
+          </p:childTnLst>
+        </p:cTn>
+      </p:par>
+    </p:tnLst>
+    <p:bldLst>
+      <p:bldP spid="3" grpId="0" build="p"/>
+    </p:bldLst>
+  </p:timing>
 </p:sld>
 </file>
 
@@ -17581,7 +18579,7 @@
               <a:buAutoNum type="arabicPeriod"/>
             </a:pPr>
             <a:r>
-              <a:rPr lang="en-US" sz="2000"/>
+              <a:rPr lang="en-US" sz="2000" dirty="0"/>
               <a:t>Contact a sample of nonrespondents </a:t>
             </a:r>
           </a:p>
@@ -17591,8 +18589,8 @@
               <a:buAutoNum type="arabicPeriod"/>
             </a:pPr>
             <a:r>
-              <a:rPr lang="en-US" sz="2000"/>
-              <a:t>Compare respondent demographics against known demographics of population </a:t>
+              <a:rPr lang="en-US" sz="2000" dirty="0"/>
+              <a:t>Compare respondent demographics against known demographics of the population </a:t>
             </a:r>
           </a:p>
           <a:p>
@@ -17601,7 +18599,7 @@
               <a:buAutoNum type="arabicPeriod"/>
             </a:pPr>
             <a:r>
-              <a:rPr lang="en-US" sz="2000"/>
+              <a:rPr lang="en-US" sz="2000" dirty="0"/>
               <a:t>Conduct an analysis of late responders vs. early responders (this method is very controversial) </a:t>
             </a:r>
           </a:p>
@@ -17788,6 +18786,186 @@
   <p:clrMapOvr>
     <a:masterClrMapping/>
   </p:clrMapOvr>
+  <p:timing>
+    <p:tnLst>
+      <p:par>
+        <p:cTn id="1" dur="indefinite" restart="never" nodeType="tmRoot">
+          <p:childTnLst>
+            <p:seq concurrent="1" nextAc="seek">
+              <p:cTn id="2" dur="indefinite" nodeType="mainSeq">
+                <p:childTnLst>
+                  <p:par>
+                    <p:cTn id="3" fill="hold">
+                      <p:stCondLst>
+                        <p:cond delay="indefinite"/>
+                      </p:stCondLst>
+                      <p:childTnLst>
+                        <p:par>
+                          <p:cTn id="4" fill="hold">
+                            <p:stCondLst>
+                              <p:cond delay="0"/>
+                            </p:stCondLst>
+                            <p:childTnLst>
+                              <p:par>
+                                <p:cTn id="5" presetID="1" presetClass="entr" presetSubtype="0" fill="hold" grpId="0" nodeType="clickEffect">
+                                  <p:stCondLst>
+                                    <p:cond delay="0"/>
+                                  </p:stCondLst>
+                                  <p:childTnLst>
+                                    <p:set>
+                                      <p:cBhvr>
+                                        <p:cTn id="6" dur="1" fill="hold">
+                                          <p:stCondLst>
+                                            <p:cond delay="0"/>
+                                          </p:stCondLst>
+                                        </p:cTn>
+                                        <p:tgtEl>
+                                          <p:spTgt spid="3">
+                                            <p:txEl>
+                                              <p:pRg st="0" end="0"/>
+                                            </p:txEl>
+                                          </p:spTgt>
+                                        </p:tgtEl>
+                                        <p:attrNameLst>
+                                          <p:attrName>style.visibility</p:attrName>
+                                        </p:attrNameLst>
+                                      </p:cBhvr>
+                                      <p:to>
+                                        <p:strVal val="visible"/>
+                                      </p:to>
+                                    </p:set>
+                                  </p:childTnLst>
+                                </p:cTn>
+                              </p:par>
+                            </p:childTnLst>
+                          </p:cTn>
+                        </p:par>
+                      </p:childTnLst>
+                    </p:cTn>
+                  </p:par>
+                  <p:par>
+                    <p:cTn id="7" fill="hold">
+                      <p:stCondLst>
+                        <p:cond delay="indefinite"/>
+                      </p:stCondLst>
+                      <p:childTnLst>
+                        <p:par>
+                          <p:cTn id="8" fill="hold">
+                            <p:stCondLst>
+                              <p:cond delay="0"/>
+                            </p:stCondLst>
+                            <p:childTnLst>
+                              <p:par>
+                                <p:cTn id="9" presetID="1" presetClass="entr" presetSubtype="0" fill="hold" grpId="0" nodeType="clickEffect">
+                                  <p:stCondLst>
+                                    <p:cond delay="0"/>
+                                  </p:stCondLst>
+                                  <p:childTnLst>
+                                    <p:set>
+                                      <p:cBhvr>
+                                        <p:cTn id="10" dur="1" fill="hold">
+                                          <p:stCondLst>
+                                            <p:cond delay="0"/>
+                                          </p:stCondLst>
+                                        </p:cTn>
+                                        <p:tgtEl>
+                                          <p:spTgt spid="3">
+                                            <p:txEl>
+                                              <p:pRg st="1" end="1"/>
+                                            </p:txEl>
+                                          </p:spTgt>
+                                        </p:tgtEl>
+                                        <p:attrNameLst>
+                                          <p:attrName>style.visibility</p:attrName>
+                                        </p:attrNameLst>
+                                      </p:cBhvr>
+                                      <p:to>
+                                        <p:strVal val="visible"/>
+                                      </p:to>
+                                    </p:set>
+                                  </p:childTnLst>
+                                </p:cTn>
+                              </p:par>
+                            </p:childTnLst>
+                          </p:cTn>
+                        </p:par>
+                      </p:childTnLst>
+                    </p:cTn>
+                  </p:par>
+                  <p:par>
+                    <p:cTn id="11" fill="hold">
+                      <p:stCondLst>
+                        <p:cond delay="indefinite"/>
+                      </p:stCondLst>
+                      <p:childTnLst>
+                        <p:par>
+                          <p:cTn id="12" fill="hold">
+                            <p:stCondLst>
+                              <p:cond delay="0"/>
+                            </p:stCondLst>
+                            <p:childTnLst>
+                              <p:par>
+                                <p:cTn id="13" presetID="1" presetClass="entr" presetSubtype="0" fill="hold" grpId="0" nodeType="clickEffect">
+                                  <p:stCondLst>
+                                    <p:cond delay="0"/>
+                                  </p:stCondLst>
+                                  <p:childTnLst>
+                                    <p:set>
+                                      <p:cBhvr>
+                                        <p:cTn id="14" dur="1" fill="hold">
+                                          <p:stCondLst>
+                                            <p:cond delay="0"/>
+                                          </p:stCondLst>
+                                        </p:cTn>
+                                        <p:tgtEl>
+                                          <p:spTgt spid="3">
+                                            <p:txEl>
+                                              <p:pRg st="2" end="2"/>
+                                            </p:txEl>
+                                          </p:spTgt>
+                                        </p:tgtEl>
+                                        <p:attrNameLst>
+                                          <p:attrName>style.visibility</p:attrName>
+                                        </p:attrNameLst>
+                                      </p:cBhvr>
+                                      <p:to>
+                                        <p:strVal val="visible"/>
+                                      </p:to>
+                                    </p:set>
+                                  </p:childTnLst>
+                                </p:cTn>
+                              </p:par>
+                            </p:childTnLst>
+                          </p:cTn>
+                        </p:par>
+                      </p:childTnLst>
+                    </p:cTn>
+                  </p:par>
+                </p:childTnLst>
+              </p:cTn>
+              <p:prevCondLst>
+                <p:cond evt="onPrev" delay="0">
+                  <p:tgtEl>
+                    <p:sldTgt/>
+                  </p:tgtEl>
+                </p:cond>
+              </p:prevCondLst>
+              <p:nextCondLst>
+                <p:cond evt="onNext" delay="0">
+                  <p:tgtEl>
+                    <p:sldTgt/>
+                  </p:tgtEl>
+                </p:cond>
+              </p:nextCondLst>
+            </p:seq>
+          </p:childTnLst>
+        </p:cTn>
+      </p:par>
+    </p:tnLst>
+    <p:bldLst>
+      <p:bldP spid="3" grpId="0" build="p"/>
+    </p:bldLst>
+  </p:timing>
 </p:sld>
 </file>
 
@@ -18560,44 +19738,43 @@
               <a:buNone/>
             </a:pPr>
             <a:r>
-              <a:rPr lang="en-US" sz="2400"/>
+              <a:rPr lang="en-US" sz="2400" dirty="0"/>
               <a:t>Error that occurs when an individual provides an inaccurate response, consciously or subconsciously, to a survey item </a:t>
             </a:r>
           </a:p>
           <a:p>
             <a:r>
-              <a:rPr lang="en-US" sz="2400"/>
+              <a:rPr lang="en-US" sz="2400" dirty="0"/>
               <a:t>Key considerations: </a:t>
             </a:r>
           </a:p>
           <a:p>
             <a:pPr lvl="1"/>
             <a:r>
-              <a:rPr lang="en-US"/>
+              <a:rPr lang="en-US" dirty="0"/>
               <a:t>Does the respondent understand the question? </a:t>
             </a:r>
           </a:p>
           <a:p>
             <a:pPr lvl="1"/>
             <a:r>
-              <a:rPr lang="en-US"/>
+              <a:rPr lang="en-US" dirty="0"/>
               <a:t>Does the respondent know the answer to the question?</a:t>
             </a:r>
           </a:p>
           <a:p>
             <a:pPr lvl="1"/>
             <a:r>
-              <a:rPr lang="en-US"/>
+              <a:rPr lang="en-US" dirty="0"/>
               <a:t>Is the respondent willing to provide the true answer to the question? </a:t>
             </a:r>
           </a:p>
           <a:p>
             <a:pPr lvl="1"/>
             <a:r>
-              <a:rPr lang="en-US"/>
+              <a:rPr lang="en-US" dirty="0"/>
               <a:t>Is the wording of the question or the situation in which it is asked likely to bias the response </a:t>
             </a:r>
-            <a:endParaRPr lang="en-US" dirty="0"/>
           </a:p>
         </p:txBody>
       </p:sp>
@@ -18611,6 +19788,261 @@
   <p:clrMapOvr>
     <a:masterClrMapping/>
   </p:clrMapOvr>
+  <p:timing>
+    <p:tnLst>
+      <p:par>
+        <p:cTn id="1" dur="indefinite" restart="never" nodeType="tmRoot">
+          <p:childTnLst>
+            <p:seq concurrent="1" nextAc="seek">
+              <p:cTn id="2" dur="indefinite" nodeType="mainSeq">
+                <p:childTnLst>
+                  <p:par>
+                    <p:cTn id="3" fill="hold">
+                      <p:stCondLst>
+                        <p:cond delay="indefinite"/>
+                      </p:stCondLst>
+                      <p:childTnLst>
+                        <p:par>
+                          <p:cTn id="4" fill="hold">
+                            <p:stCondLst>
+                              <p:cond delay="0"/>
+                            </p:stCondLst>
+                            <p:childTnLst>
+                              <p:par>
+                                <p:cTn id="5" presetID="1" presetClass="entr" presetSubtype="0" fill="hold" grpId="0" nodeType="clickEffect">
+                                  <p:stCondLst>
+                                    <p:cond delay="0"/>
+                                  </p:stCondLst>
+                                  <p:childTnLst>
+                                    <p:set>
+                                      <p:cBhvr>
+                                        <p:cTn id="6" dur="1" fill="hold">
+                                          <p:stCondLst>
+                                            <p:cond delay="0"/>
+                                          </p:stCondLst>
+                                        </p:cTn>
+                                        <p:tgtEl>
+                                          <p:spTgt spid="3">
+                                            <p:txEl>
+                                              <p:pRg st="0" end="0"/>
+                                            </p:txEl>
+                                          </p:spTgt>
+                                        </p:tgtEl>
+                                        <p:attrNameLst>
+                                          <p:attrName>style.visibility</p:attrName>
+                                        </p:attrNameLst>
+                                      </p:cBhvr>
+                                      <p:to>
+                                        <p:strVal val="visible"/>
+                                      </p:to>
+                                    </p:set>
+                                  </p:childTnLst>
+                                </p:cTn>
+                              </p:par>
+                            </p:childTnLst>
+                          </p:cTn>
+                        </p:par>
+                      </p:childTnLst>
+                    </p:cTn>
+                  </p:par>
+                  <p:par>
+                    <p:cTn id="7" fill="hold">
+                      <p:stCondLst>
+                        <p:cond delay="indefinite"/>
+                      </p:stCondLst>
+                      <p:childTnLst>
+                        <p:par>
+                          <p:cTn id="8" fill="hold">
+                            <p:stCondLst>
+                              <p:cond delay="0"/>
+                            </p:stCondLst>
+                            <p:childTnLst>
+                              <p:par>
+                                <p:cTn id="9" presetID="1" presetClass="entr" presetSubtype="0" fill="hold" grpId="0" nodeType="clickEffect">
+                                  <p:stCondLst>
+                                    <p:cond delay="0"/>
+                                  </p:stCondLst>
+                                  <p:childTnLst>
+                                    <p:set>
+                                      <p:cBhvr>
+                                        <p:cTn id="10" dur="1" fill="hold">
+                                          <p:stCondLst>
+                                            <p:cond delay="0"/>
+                                          </p:stCondLst>
+                                        </p:cTn>
+                                        <p:tgtEl>
+                                          <p:spTgt spid="3">
+                                            <p:txEl>
+                                              <p:pRg st="1" end="1"/>
+                                            </p:txEl>
+                                          </p:spTgt>
+                                        </p:tgtEl>
+                                        <p:attrNameLst>
+                                          <p:attrName>style.visibility</p:attrName>
+                                        </p:attrNameLst>
+                                      </p:cBhvr>
+                                      <p:to>
+                                        <p:strVal val="visible"/>
+                                      </p:to>
+                                    </p:set>
+                                  </p:childTnLst>
+                                </p:cTn>
+                              </p:par>
+                              <p:par>
+                                <p:cTn id="11" presetID="1" presetClass="entr" presetSubtype="0" fill="hold" grpId="0" nodeType="withEffect">
+                                  <p:stCondLst>
+                                    <p:cond delay="0"/>
+                                  </p:stCondLst>
+                                  <p:childTnLst>
+                                    <p:set>
+                                      <p:cBhvr>
+                                        <p:cTn id="12" dur="1" fill="hold">
+                                          <p:stCondLst>
+                                            <p:cond delay="0"/>
+                                          </p:stCondLst>
+                                        </p:cTn>
+                                        <p:tgtEl>
+                                          <p:spTgt spid="3">
+                                            <p:txEl>
+                                              <p:pRg st="2" end="2"/>
+                                            </p:txEl>
+                                          </p:spTgt>
+                                        </p:tgtEl>
+                                        <p:attrNameLst>
+                                          <p:attrName>style.visibility</p:attrName>
+                                        </p:attrNameLst>
+                                      </p:cBhvr>
+                                      <p:to>
+                                        <p:strVal val="visible"/>
+                                      </p:to>
+                                    </p:set>
+                                  </p:childTnLst>
+                                </p:cTn>
+                              </p:par>
+                              <p:par>
+                                <p:cTn id="13" presetID="1" presetClass="entr" presetSubtype="0" fill="hold" grpId="0" nodeType="withEffect">
+                                  <p:stCondLst>
+                                    <p:cond delay="0"/>
+                                  </p:stCondLst>
+                                  <p:childTnLst>
+                                    <p:set>
+                                      <p:cBhvr>
+                                        <p:cTn id="14" dur="1" fill="hold">
+                                          <p:stCondLst>
+                                            <p:cond delay="0"/>
+                                          </p:stCondLst>
+                                        </p:cTn>
+                                        <p:tgtEl>
+                                          <p:spTgt spid="3">
+                                            <p:txEl>
+                                              <p:pRg st="3" end="3"/>
+                                            </p:txEl>
+                                          </p:spTgt>
+                                        </p:tgtEl>
+                                        <p:attrNameLst>
+                                          <p:attrName>style.visibility</p:attrName>
+                                        </p:attrNameLst>
+                                      </p:cBhvr>
+                                      <p:to>
+                                        <p:strVal val="visible"/>
+                                      </p:to>
+                                    </p:set>
+                                  </p:childTnLst>
+                                </p:cTn>
+                              </p:par>
+                              <p:par>
+                                <p:cTn id="15" presetID="1" presetClass="entr" presetSubtype="0" fill="hold" grpId="0" nodeType="withEffect">
+                                  <p:stCondLst>
+                                    <p:cond delay="0"/>
+                                  </p:stCondLst>
+                                  <p:childTnLst>
+                                    <p:set>
+                                      <p:cBhvr>
+                                        <p:cTn id="16" dur="1" fill="hold">
+                                          <p:stCondLst>
+                                            <p:cond delay="0"/>
+                                          </p:stCondLst>
+                                        </p:cTn>
+                                        <p:tgtEl>
+                                          <p:spTgt spid="3">
+                                            <p:txEl>
+                                              <p:pRg st="4" end="4"/>
+                                            </p:txEl>
+                                          </p:spTgt>
+                                        </p:tgtEl>
+                                        <p:attrNameLst>
+                                          <p:attrName>style.visibility</p:attrName>
+                                        </p:attrNameLst>
+                                      </p:cBhvr>
+                                      <p:to>
+                                        <p:strVal val="visible"/>
+                                      </p:to>
+                                    </p:set>
+                                  </p:childTnLst>
+                                </p:cTn>
+                              </p:par>
+                              <p:par>
+                                <p:cTn id="17" presetID="1" presetClass="entr" presetSubtype="0" fill="hold" grpId="0" nodeType="withEffect">
+                                  <p:stCondLst>
+                                    <p:cond delay="0"/>
+                                  </p:stCondLst>
+                                  <p:childTnLst>
+                                    <p:set>
+                                      <p:cBhvr>
+                                        <p:cTn id="18" dur="1" fill="hold">
+                                          <p:stCondLst>
+                                            <p:cond delay="0"/>
+                                          </p:stCondLst>
+                                        </p:cTn>
+                                        <p:tgtEl>
+                                          <p:spTgt spid="3">
+                                            <p:txEl>
+                                              <p:pRg st="5" end="5"/>
+                                            </p:txEl>
+                                          </p:spTgt>
+                                        </p:tgtEl>
+                                        <p:attrNameLst>
+                                          <p:attrName>style.visibility</p:attrName>
+                                        </p:attrNameLst>
+                                      </p:cBhvr>
+                                      <p:to>
+                                        <p:strVal val="visible"/>
+                                      </p:to>
+                                    </p:set>
+                                  </p:childTnLst>
+                                </p:cTn>
+                              </p:par>
+                            </p:childTnLst>
+                          </p:cTn>
+                        </p:par>
+                      </p:childTnLst>
+                    </p:cTn>
+                  </p:par>
+                </p:childTnLst>
+              </p:cTn>
+              <p:prevCondLst>
+                <p:cond evt="onPrev" delay="0">
+                  <p:tgtEl>
+                    <p:sldTgt/>
+                  </p:tgtEl>
+                </p:cond>
+              </p:prevCondLst>
+              <p:nextCondLst>
+                <p:cond evt="onNext" delay="0">
+                  <p:tgtEl>
+                    <p:sldTgt/>
+                  </p:tgtEl>
+                </p:cond>
+              </p:nextCondLst>
+            </p:seq>
+          </p:childTnLst>
+        </p:cTn>
+      </p:par>
+    </p:tnLst>
+    <p:bldLst>
+      <p:bldP spid="3" grpId="0" build="p"/>
+    </p:bldLst>
+  </p:timing>
 </p:sld>
 </file>
 
@@ -19176,7 +20608,7 @@
               <a:buNone/>
             </a:pPr>
             <a:r>
-              <a:rPr lang="en-US" sz="2400"/>
+              <a:rPr lang="en-US" sz="2400" dirty="0"/>
               <a:t>Mistakes made by humans or machines in the process of recording respondents’ communication- or observation-based data </a:t>
             </a:r>
           </a:p>
@@ -19186,24 +20618,24 @@
               <a:buAutoNum type="arabicPeriod"/>
             </a:pPr>
             <a:r>
-              <a:rPr lang="en-US" sz="2400"/>
+              <a:rPr lang="en-US" sz="2400" dirty="0"/>
               <a:t>Communication-based</a:t>
             </a:r>
           </a:p>
           <a:p>
             <a:r>
-              <a:rPr lang="en-US" sz="2400"/>
+              <a:rPr lang="en-US" sz="2400" dirty="0"/>
               <a:t>Personal interviews + phone surveys: interviewers</a:t>
             </a:r>
           </a:p>
           <a:p>
             <a:r>
-              <a:rPr lang="en-US" sz="2400"/>
+              <a:rPr lang="en-US" sz="2400" dirty="0"/>
               <a:t>Online data collection: Hardware or software </a:t>
             </a:r>
           </a:p>
           <a:p>
-            <a:endParaRPr lang="en-US" sz="2400"/>
+            <a:endParaRPr lang="en-US" sz="2400" dirty="0"/>
           </a:p>
           <a:p>
             <a:pPr marL="514350" indent="-514350">
@@ -19211,20 +20643,28 @@
               <a:buAutoNum type="arabicPeriod" startAt="2"/>
             </a:pPr>
             <a:r>
-              <a:rPr lang="en-US" sz="2400"/>
+              <a:rPr lang="en-US" sz="2400" dirty="0"/>
               <a:t>Observation-based </a:t>
             </a:r>
           </a:p>
           <a:p>
             <a:r>
-              <a:rPr lang="en-US" sz="2400"/>
+              <a:rPr lang="en-US" sz="2400" dirty="0"/>
               <a:t>Human observation: forget, incorrectly </a:t>
             </a:r>
           </a:p>
           <a:p>
             <a:r>
-              <a:rPr lang="en-US" sz="2400"/>
-              <a:t>Machine: mis-calibrated or programmed incorrectly, malfunctions</a:t>
+              <a:rPr lang="en-US" sz="2400" dirty="0"/>
+              <a:t>Machine: </a:t>
+            </a:r>
+            <a:r>
+              <a:rPr lang="en-US" sz="2400" dirty="0" err="1"/>
+              <a:t>miscalibrated</a:t>
+            </a:r>
+            <a:r>
+              <a:rPr lang="en-US" sz="2400" dirty="0"/>
+              <a:t> or programmed incorrectly, malfunctions</a:t>
             </a:r>
           </a:p>
         </p:txBody>
@@ -19239,6 +20679,382 @@
   <p:clrMapOvr>
     <a:masterClrMapping/>
   </p:clrMapOvr>
+  <p:timing>
+    <p:tnLst>
+      <p:par>
+        <p:cTn id="1" dur="indefinite" restart="never" nodeType="tmRoot">
+          <p:childTnLst>
+            <p:seq concurrent="1" nextAc="seek">
+              <p:cTn id="2" dur="indefinite" nodeType="mainSeq">
+                <p:childTnLst>
+                  <p:par>
+                    <p:cTn id="3" fill="hold">
+                      <p:stCondLst>
+                        <p:cond delay="indefinite"/>
+                      </p:stCondLst>
+                      <p:childTnLst>
+                        <p:par>
+                          <p:cTn id="4" fill="hold">
+                            <p:stCondLst>
+                              <p:cond delay="0"/>
+                            </p:stCondLst>
+                            <p:childTnLst>
+                              <p:par>
+                                <p:cTn id="5" presetID="1" presetClass="entr" presetSubtype="0" fill="hold" grpId="0" nodeType="clickEffect">
+                                  <p:stCondLst>
+                                    <p:cond delay="0"/>
+                                  </p:stCondLst>
+                                  <p:childTnLst>
+                                    <p:set>
+                                      <p:cBhvr>
+                                        <p:cTn id="6" dur="1" fill="hold">
+                                          <p:stCondLst>
+                                            <p:cond delay="0"/>
+                                          </p:stCondLst>
+                                        </p:cTn>
+                                        <p:tgtEl>
+                                          <p:spTgt spid="3">
+                                            <p:txEl>
+                                              <p:pRg st="0" end="0"/>
+                                            </p:txEl>
+                                          </p:spTgt>
+                                        </p:tgtEl>
+                                        <p:attrNameLst>
+                                          <p:attrName>style.visibility</p:attrName>
+                                        </p:attrNameLst>
+                                      </p:cBhvr>
+                                      <p:to>
+                                        <p:strVal val="visible"/>
+                                      </p:to>
+                                    </p:set>
+                                  </p:childTnLst>
+                                </p:cTn>
+                              </p:par>
+                            </p:childTnLst>
+                          </p:cTn>
+                        </p:par>
+                      </p:childTnLst>
+                    </p:cTn>
+                  </p:par>
+                  <p:par>
+                    <p:cTn id="7" fill="hold">
+                      <p:stCondLst>
+                        <p:cond delay="indefinite"/>
+                      </p:stCondLst>
+                      <p:childTnLst>
+                        <p:par>
+                          <p:cTn id="8" fill="hold">
+                            <p:stCondLst>
+                              <p:cond delay="0"/>
+                            </p:stCondLst>
+                            <p:childTnLst>
+                              <p:par>
+                                <p:cTn id="9" presetID="1" presetClass="entr" presetSubtype="0" fill="hold" grpId="0" nodeType="clickEffect">
+                                  <p:stCondLst>
+                                    <p:cond delay="0"/>
+                                  </p:stCondLst>
+                                  <p:childTnLst>
+                                    <p:set>
+                                      <p:cBhvr>
+                                        <p:cTn id="10" dur="1" fill="hold">
+                                          <p:stCondLst>
+                                            <p:cond delay="0"/>
+                                          </p:stCondLst>
+                                        </p:cTn>
+                                        <p:tgtEl>
+                                          <p:spTgt spid="3">
+                                            <p:txEl>
+                                              <p:pRg st="1" end="1"/>
+                                            </p:txEl>
+                                          </p:spTgt>
+                                        </p:tgtEl>
+                                        <p:attrNameLst>
+                                          <p:attrName>style.visibility</p:attrName>
+                                        </p:attrNameLst>
+                                      </p:cBhvr>
+                                      <p:to>
+                                        <p:strVal val="visible"/>
+                                      </p:to>
+                                    </p:set>
+                                  </p:childTnLst>
+                                </p:cTn>
+                              </p:par>
+                            </p:childTnLst>
+                          </p:cTn>
+                        </p:par>
+                      </p:childTnLst>
+                    </p:cTn>
+                  </p:par>
+                  <p:par>
+                    <p:cTn id="11" fill="hold">
+                      <p:stCondLst>
+                        <p:cond delay="indefinite"/>
+                      </p:stCondLst>
+                      <p:childTnLst>
+                        <p:par>
+                          <p:cTn id="12" fill="hold">
+                            <p:stCondLst>
+                              <p:cond delay="0"/>
+                            </p:stCondLst>
+                            <p:childTnLst>
+                              <p:par>
+                                <p:cTn id="13" presetID="1" presetClass="entr" presetSubtype="0" fill="hold" grpId="0" nodeType="clickEffect">
+                                  <p:stCondLst>
+                                    <p:cond delay="0"/>
+                                  </p:stCondLst>
+                                  <p:childTnLst>
+                                    <p:set>
+                                      <p:cBhvr>
+                                        <p:cTn id="14" dur="1" fill="hold">
+                                          <p:stCondLst>
+                                            <p:cond delay="0"/>
+                                          </p:stCondLst>
+                                        </p:cTn>
+                                        <p:tgtEl>
+                                          <p:spTgt spid="3">
+                                            <p:txEl>
+                                              <p:pRg st="2" end="2"/>
+                                            </p:txEl>
+                                          </p:spTgt>
+                                        </p:tgtEl>
+                                        <p:attrNameLst>
+                                          <p:attrName>style.visibility</p:attrName>
+                                        </p:attrNameLst>
+                                      </p:cBhvr>
+                                      <p:to>
+                                        <p:strVal val="visible"/>
+                                      </p:to>
+                                    </p:set>
+                                  </p:childTnLst>
+                                </p:cTn>
+                              </p:par>
+                            </p:childTnLst>
+                          </p:cTn>
+                        </p:par>
+                      </p:childTnLst>
+                    </p:cTn>
+                  </p:par>
+                  <p:par>
+                    <p:cTn id="15" fill="hold">
+                      <p:stCondLst>
+                        <p:cond delay="indefinite"/>
+                      </p:stCondLst>
+                      <p:childTnLst>
+                        <p:par>
+                          <p:cTn id="16" fill="hold">
+                            <p:stCondLst>
+                              <p:cond delay="0"/>
+                            </p:stCondLst>
+                            <p:childTnLst>
+                              <p:par>
+                                <p:cTn id="17" presetID="1" presetClass="entr" presetSubtype="0" fill="hold" grpId="0" nodeType="clickEffect">
+                                  <p:stCondLst>
+                                    <p:cond delay="0"/>
+                                  </p:stCondLst>
+                                  <p:childTnLst>
+                                    <p:set>
+                                      <p:cBhvr>
+                                        <p:cTn id="18" dur="1" fill="hold">
+                                          <p:stCondLst>
+                                            <p:cond delay="0"/>
+                                          </p:stCondLst>
+                                        </p:cTn>
+                                        <p:tgtEl>
+                                          <p:spTgt spid="3">
+                                            <p:txEl>
+                                              <p:pRg st="3" end="3"/>
+                                            </p:txEl>
+                                          </p:spTgt>
+                                        </p:tgtEl>
+                                        <p:attrNameLst>
+                                          <p:attrName>style.visibility</p:attrName>
+                                        </p:attrNameLst>
+                                      </p:cBhvr>
+                                      <p:to>
+                                        <p:strVal val="visible"/>
+                                      </p:to>
+                                    </p:set>
+                                  </p:childTnLst>
+                                </p:cTn>
+                              </p:par>
+                            </p:childTnLst>
+                          </p:cTn>
+                        </p:par>
+                      </p:childTnLst>
+                    </p:cTn>
+                  </p:par>
+                  <p:par>
+                    <p:cTn id="19" fill="hold">
+                      <p:stCondLst>
+                        <p:cond delay="indefinite"/>
+                      </p:stCondLst>
+                      <p:childTnLst>
+                        <p:par>
+                          <p:cTn id="20" fill="hold">
+                            <p:stCondLst>
+                              <p:cond delay="0"/>
+                            </p:stCondLst>
+                            <p:childTnLst>
+                              <p:par>
+                                <p:cTn id="21" presetID="1" presetClass="entr" presetSubtype="0" fill="hold" grpId="0" nodeType="clickEffect">
+                                  <p:stCondLst>
+                                    <p:cond delay="0"/>
+                                  </p:stCondLst>
+                                  <p:childTnLst>
+                                    <p:set>
+                                      <p:cBhvr>
+                                        <p:cTn id="22" dur="1" fill="hold">
+                                          <p:stCondLst>
+                                            <p:cond delay="0"/>
+                                          </p:stCondLst>
+                                        </p:cTn>
+                                        <p:tgtEl>
+                                          <p:spTgt spid="3">
+                                            <p:txEl>
+                                              <p:pRg st="5" end="5"/>
+                                            </p:txEl>
+                                          </p:spTgt>
+                                        </p:tgtEl>
+                                        <p:attrNameLst>
+                                          <p:attrName>style.visibility</p:attrName>
+                                        </p:attrNameLst>
+                                      </p:cBhvr>
+                                      <p:to>
+                                        <p:strVal val="visible"/>
+                                      </p:to>
+                                    </p:set>
+                                  </p:childTnLst>
+                                </p:cTn>
+                              </p:par>
+                            </p:childTnLst>
+                          </p:cTn>
+                        </p:par>
+                      </p:childTnLst>
+                    </p:cTn>
+                  </p:par>
+                  <p:par>
+                    <p:cTn id="23" fill="hold">
+                      <p:stCondLst>
+                        <p:cond delay="indefinite"/>
+                      </p:stCondLst>
+                      <p:childTnLst>
+                        <p:par>
+                          <p:cTn id="24" fill="hold">
+                            <p:stCondLst>
+                              <p:cond delay="0"/>
+                            </p:stCondLst>
+                            <p:childTnLst>
+                              <p:par>
+                                <p:cTn id="25" presetID="1" presetClass="entr" presetSubtype="0" fill="hold" grpId="0" nodeType="clickEffect">
+                                  <p:stCondLst>
+                                    <p:cond delay="0"/>
+                                  </p:stCondLst>
+                                  <p:childTnLst>
+                                    <p:set>
+                                      <p:cBhvr>
+                                        <p:cTn id="26" dur="1" fill="hold">
+                                          <p:stCondLst>
+                                            <p:cond delay="0"/>
+                                          </p:stCondLst>
+                                        </p:cTn>
+                                        <p:tgtEl>
+                                          <p:spTgt spid="3">
+                                            <p:txEl>
+                                              <p:pRg st="6" end="6"/>
+                                            </p:txEl>
+                                          </p:spTgt>
+                                        </p:tgtEl>
+                                        <p:attrNameLst>
+                                          <p:attrName>style.visibility</p:attrName>
+                                        </p:attrNameLst>
+                                      </p:cBhvr>
+                                      <p:to>
+                                        <p:strVal val="visible"/>
+                                      </p:to>
+                                    </p:set>
+                                  </p:childTnLst>
+                                </p:cTn>
+                              </p:par>
+                            </p:childTnLst>
+                          </p:cTn>
+                        </p:par>
+                      </p:childTnLst>
+                    </p:cTn>
+                  </p:par>
+                  <p:par>
+                    <p:cTn id="27" fill="hold">
+                      <p:stCondLst>
+                        <p:cond delay="indefinite"/>
+                      </p:stCondLst>
+                      <p:childTnLst>
+                        <p:par>
+                          <p:cTn id="28" fill="hold">
+                            <p:stCondLst>
+                              <p:cond delay="0"/>
+                            </p:stCondLst>
+                            <p:childTnLst>
+                              <p:par>
+                                <p:cTn id="29" presetID="1" presetClass="entr" presetSubtype="0" fill="hold" grpId="0" nodeType="clickEffect">
+                                  <p:stCondLst>
+                                    <p:cond delay="0"/>
+                                  </p:stCondLst>
+                                  <p:childTnLst>
+                                    <p:set>
+                                      <p:cBhvr>
+                                        <p:cTn id="30" dur="1" fill="hold">
+                                          <p:stCondLst>
+                                            <p:cond delay="0"/>
+                                          </p:stCondLst>
+                                        </p:cTn>
+                                        <p:tgtEl>
+                                          <p:spTgt spid="3">
+                                            <p:txEl>
+                                              <p:pRg st="7" end="7"/>
+                                            </p:txEl>
+                                          </p:spTgt>
+                                        </p:tgtEl>
+                                        <p:attrNameLst>
+                                          <p:attrName>style.visibility</p:attrName>
+                                        </p:attrNameLst>
+                                      </p:cBhvr>
+                                      <p:to>
+                                        <p:strVal val="visible"/>
+                                      </p:to>
+                                    </p:set>
+                                  </p:childTnLst>
+                                </p:cTn>
+                              </p:par>
+                            </p:childTnLst>
+                          </p:cTn>
+                        </p:par>
+                      </p:childTnLst>
+                    </p:cTn>
+                  </p:par>
+                </p:childTnLst>
+              </p:cTn>
+              <p:prevCondLst>
+                <p:cond evt="onPrev" delay="0">
+                  <p:tgtEl>
+                    <p:sldTgt/>
+                  </p:tgtEl>
+                </p:cond>
+              </p:prevCondLst>
+              <p:nextCondLst>
+                <p:cond evt="onNext" delay="0">
+                  <p:tgtEl>
+                    <p:sldTgt/>
+                  </p:tgtEl>
+                </p:cond>
+              </p:nextCondLst>
+            </p:seq>
+          </p:childTnLst>
+        </p:cTn>
+      </p:par>
+    </p:tnLst>
+    <p:bldLst>
+      <p:bldP spid="3" grpId="0" build="p"/>
+    </p:bldLst>
+  </p:timing>
 </p:sld>
 </file>
 
@@ -20104,6 +21920,111 @@
   <p:clrMapOvr>
     <a:masterClrMapping/>
   </p:clrMapOvr>
+  <p:timing>
+    <p:tnLst>
+      <p:par>
+        <p:cTn id="1" dur="indefinite" restart="never" nodeType="tmRoot">
+          <p:childTnLst>
+            <p:seq concurrent="1" nextAc="seek">
+              <p:cTn id="2" dur="indefinite" nodeType="mainSeq">
+                <p:childTnLst>
+                  <p:par>
+                    <p:cTn id="3" fill="hold">
+                      <p:stCondLst>
+                        <p:cond delay="indefinite"/>
+                      </p:stCondLst>
+                      <p:childTnLst>
+                        <p:par>
+                          <p:cTn id="4" fill="hold">
+                            <p:stCondLst>
+                              <p:cond delay="0"/>
+                            </p:stCondLst>
+                            <p:childTnLst>
+                              <p:par>
+                                <p:cTn id="5" presetID="1" presetClass="entr" presetSubtype="0" fill="hold" nodeType="clickEffect">
+                                  <p:stCondLst>
+                                    <p:cond delay="0"/>
+                                  </p:stCondLst>
+                                  <p:childTnLst>
+                                    <p:set>
+                                      <p:cBhvr>
+                                        <p:cTn id="6" dur="1" fill="hold">
+                                          <p:stCondLst>
+                                            <p:cond delay="0"/>
+                                          </p:stCondLst>
+                                        </p:cTn>
+                                        <p:tgtEl>
+                                          <p:spTgt spid="4"/>
+                                        </p:tgtEl>
+                                        <p:attrNameLst>
+                                          <p:attrName>style.visibility</p:attrName>
+                                        </p:attrNameLst>
+                                      </p:cBhvr>
+                                      <p:to>
+                                        <p:strVal val="visible"/>
+                                      </p:to>
+                                    </p:set>
+                                  </p:childTnLst>
+                                </p:cTn>
+                              </p:par>
+                              <p:par>
+                                <p:cTn id="7" presetID="1" presetClass="entr" presetSubtype="0" fill="hold" grpId="0" nodeType="withEffect">
+                                  <p:stCondLst>
+                                    <p:cond delay="0"/>
+                                  </p:stCondLst>
+                                  <p:childTnLst>
+                                    <p:set>
+                                      <p:cBhvr>
+                                        <p:cTn id="8" dur="1" fill="hold">
+                                          <p:stCondLst>
+                                            <p:cond delay="0"/>
+                                          </p:stCondLst>
+                                        </p:cTn>
+                                        <p:tgtEl>
+                                          <p:spTgt spid="5"/>
+                                        </p:tgtEl>
+                                        <p:attrNameLst>
+                                          <p:attrName>style.visibility</p:attrName>
+                                        </p:attrNameLst>
+                                      </p:cBhvr>
+                                      <p:to>
+                                        <p:strVal val="visible"/>
+                                      </p:to>
+                                    </p:set>
+                                  </p:childTnLst>
+                                </p:cTn>
+                              </p:par>
+                            </p:childTnLst>
+                          </p:cTn>
+                        </p:par>
+                      </p:childTnLst>
+                    </p:cTn>
+                  </p:par>
+                </p:childTnLst>
+              </p:cTn>
+              <p:prevCondLst>
+                <p:cond evt="onPrev" delay="0">
+                  <p:tgtEl>
+                    <p:sldTgt/>
+                  </p:tgtEl>
+                </p:cond>
+              </p:prevCondLst>
+              <p:nextCondLst>
+                <p:cond evt="onNext" delay="0">
+                  <p:tgtEl>
+                    <p:sldTgt/>
+                  </p:tgtEl>
+                </p:cond>
+              </p:nextCondLst>
+            </p:seq>
+          </p:childTnLst>
+        </p:cTn>
+      </p:par>
+    </p:tnLst>
+    <p:bldLst>
+      <p:bldP spid="5" grpId="0"/>
+    </p:bldLst>
+  </p:timing>
 </p:sld>
 </file>
 
@@ -22729,13 +24650,13 @@
           <a:lstStyle/>
           <a:p>
             <a:r>
-              <a:rPr lang="en-US" sz="2000"/>
-              <a:t>The response rate on a project serves as an indicator of the overall quality of a data collection effort. It also provides insight into the likely influence of nonresponse error on the project </a:t>
+              <a:rPr lang="en-US" sz="2000" dirty="0"/>
+              <a:t>The response rate on a project serves as an indicator of the overall quality of a data collection effort. It also provides insight into the likely influence of nonresponse errors on the project </a:t>
             </a:r>
           </a:p>
           <a:p>
             <a:r>
-              <a:rPr lang="en-US" sz="2000"/>
+              <a:rPr lang="en-US" sz="2000" dirty="0"/>
               <a:t>Researchers must strive to obtain the highest response rates possible in a given situation </a:t>
             </a:r>
           </a:p>
@@ -22751,6 +24672,137 @@
   <p:clrMapOvr>
     <a:masterClrMapping/>
   </p:clrMapOvr>
+  <p:timing>
+    <p:tnLst>
+      <p:par>
+        <p:cTn id="1" dur="indefinite" restart="never" nodeType="tmRoot">
+          <p:childTnLst>
+            <p:seq concurrent="1" nextAc="seek">
+              <p:cTn id="2" dur="indefinite" nodeType="mainSeq">
+                <p:childTnLst>
+                  <p:par>
+                    <p:cTn id="3" fill="hold">
+                      <p:stCondLst>
+                        <p:cond delay="indefinite"/>
+                      </p:stCondLst>
+                      <p:childTnLst>
+                        <p:par>
+                          <p:cTn id="4" fill="hold">
+                            <p:stCondLst>
+                              <p:cond delay="0"/>
+                            </p:stCondLst>
+                            <p:childTnLst>
+                              <p:par>
+                                <p:cTn id="5" presetID="1" presetClass="entr" presetSubtype="0" fill="hold" grpId="0" nodeType="clickEffect">
+                                  <p:stCondLst>
+                                    <p:cond delay="0"/>
+                                  </p:stCondLst>
+                                  <p:childTnLst>
+                                    <p:set>
+                                      <p:cBhvr>
+                                        <p:cTn id="6" dur="1" fill="hold">
+                                          <p:stCondLst>
+                                            <p:cond delay="0"/>
+                                          </p:stCondLst>
+                                        </p:cTn>
+                                        <p:tgtEl>
+                                          <p:spTgt spid="3">
+                                            <p:txEl>
+                                              <p:pRg st="0" end="0"/>
+                                            </p:txEl>
+                                          </p:spTgt>
+                                        </p:tgtEl>
+                                        <p:attrNameLst>
+                                          <p:attrName>style.visibility</p:attrName>
+                                        </p:attrNameLst>
+                                      </p:cBhvr>
+                                      <p:to>
+                                        <p:strVal val="visible"/>
+                                      </p:to>
+                                    </p:set>
+                                  </p:childTnLst>
+                                </p:cTn>
+                              </p:par>
+                            </p:childTnLst>
+                          </p:cTn>
+                        </p:par>
+                      </p:childTnLst>
+                    </p:cTn>
+                  </p:par>
+                  <p:par>
+                    <p:cTn id="7" fill="hold">
+                      <p:stCondLst>
+                        <p:cond delay="indefinite"/>
+                      </p:stCondLst>
+                      <p:childTnLst>
+                        <p:par>
+                          <p:cTn id="8" fill="hold">
+                            <p:stCondLst>
+                              <p:cond delay="0"/>
+                            </p:stCondLst>
+                            <p:childTnLst>
+                              <p:par>
+                                <p:cTn id="9" presetID="1" presetClass="entr" presetSubtype="0" fill="hold" grpId="0" nodeType="clickEffect">
+                                  <p:stCondLst>
+                                    <p:cond delay="0"/>
+                                  </p:stCondLst>
+                                  <p:childTnLst>
+                                    <p:set>
+                                      <p:cBhvr>
+                                        <p:cTn id="10" dur="1" fill="hold">
+                                          <p:stCondLst>
+                                            <p:cond delay="0"/>
+                                          </p:stCondLst>
+                                        </p:cTn>
+                                        <p:tgtEl>
+                                          <p:spTgt spid="3">
+                                            <p:txEl>
+                                              <p:pRg st="1" end="1"/>
+                                            </p:txEl>
+                                          </p:spTgt>
+                                        </p:tgtEl>
+                                        <p:attrNameLst>
+                                          <p:attrName>style.visibility</p:attrName>
+                                        </p:attrNameLst>
+                                      </p:cBhvr>
+                                      <p:to>
+                                        <p:strVal val="visible"/>
+                                      </p:to>
+                                    </p:set>
+                                  </p:childTnLst>
+                                </p:cTn>
+                              </p:par>
+                            </p:childTnLst>
+                          </p:cTn>
+                        </p:par>
+                      </p:childTnLst>
+                    </p:cTn>
+                  </p:par>
+                </p:childTnLst>
+              </p:cTn>
+              <p:prevCondLst>
+                <p:cond evt="onPrev" delay="0">
+                  <p:tgtEl>
+                    <p:sldTgt/>
+                  </p:tgtEl>
+                </p:cond>
+              </p:prevCondLst>
+              <p:nextCondLst>
+                <p:cond evt="onNext" delay="0">
+                  <p:tgtEl>
+                    <p:sldTgt/>
+                  </p:tgtEl>
+                </p:cond>
+              </p:nextCondLst>
+            </p:seq>
+          </p:childTnLst>
+        </p:cTn>
+      </p:par>
+    </p:tnLst>
+    <p:bldLst>
+      <p:bldP spid="3" grpId="0" build="p"/>
+    </p:bldLst>
+  </p:timing>
 </p:sld>
 </file>
 
@@ -28901,7 +30953,7 @@
           <a:lstStyle/>
           <a:p>
             <a:r>
-              <a:rPr lang="en-US" sz="2000">
+              <a:rPr lang="en-US" sz="2000" dirty="0">
                 <a:solidFill>
                   <a:schemeClr val="tx1">
                     <a:lumMod val="85000"/>
@@ -28909,12 +30961,12 @@
                   </a:schemeClr>
                 </a:solidFill>
               </a:rPr>
-              <a:t>Respondent interest in topic </a:t>
+              <a:t> Respondent’s interest in the topic </a:t>
             </a:r>
           </a:p>
           <a:p>
             <a:r>
-              <a:rPr lang="en-US" sz="2000">
+              <a:rPr lang="en-US" sz="2000" dirty="0">
                 <a:solidFill>
                   <a:schemeClr val="tx1">
                     <a:lumMod val="85000"/>
@@ -28927,7 +30979,7 @@
           </a:p>
           <a:p>
             <a:r>
-              <a:rPr lang="en-US" sz="2000">
+              <a:rPr lang="en-US" sz="2000" dirty="0">
                 <a:solidFill>
                   <a:schemeClr val="tx1">
                     <a:lumMod val="85000"/>
@@ -28940,7 +30992,7 @@
           </a:p>
           <a:p>
             <a:r>
-              <a:rPr lang="en-US" sz="2000">
+              <a:rPr lang="en-US" sz="2000" dirty="0">
                 <a:solidFill>
                   <a:schemeClr val="tx1">
                     <a:lumMod val="85000"/>
@@ -28953,7 +31005,7 @@
           </a:p>
           <a:p>
             <a:r>
-              <a:rPr lang="en-US" sz="2000">
+              <a:rPr lang="en-US" sz="2000" dirty="0">
                 <a:solidFill>
                   <a:schemeClr val="tx1">
                     <a:lumMod val="85000"/>
@@ -28966,7 +31018,7 @@
           </a:p>
           <a:p>
             <a:r>
-              <a:rPr lang="en-US" sz="2000">
+              <a:rPr lang="en-US" sz="2000" dirty="0">
                 <a:solidFill>
                   <a:schemeClr val="tx1">
                     <a:lumMod val="85000"/>
@@ -28979,7 +31031,7 @@
           </a:p>
           <a:p>
             <a:r>
-              <a:rPr lang="en-US" sz="2000">
+              <a:rPr lang="en-US" sz="2000" dirty="0">
                 <a:solidFill>
                   <a:schemeClr val="tx1">
                     <a:lumMod val="85000"/>
@@ -30047,6 +32099,382 @@
   <p:clrMapOvr>
     <a:masterClrMapping/>
   </p:clrMapOvr>
+  <p:timing>
+    <p:tnLst>
+      <p:par>
+        <p:cTn id="1" dur="indefinite" restart="never" nodeType="tmRoot">
+          <p:childTnLst>
+            <p:seq concurrent="1" nextAc="seek">
+              <p:cTn id="2" dur="indefinite" nodeType="mainSeq">
+                <p:childTnLst>
+                  <p:par>
+                    <p:cTn id="3" fill="hold">
+                      <p:stCondLst>
+                        <p:cond delay="indefinite"/>
+                      </p:stCondLst>
+                      <p:childTnLst>
+                        <p:par>
+                          <p:cTn id="4" fill="hold">
+                            <p:stCondLst>
+                              <p:cond delay="0"/>
+                            </p:stCondLst>
+                            <p:childTnLst>
+                              <p:par>
+                                <p:cTn id="5" presetID="1" presetClass="entr" presetSubtype="0" fill="hold" grpId="0" nodeType="clickEffect">
+                                  <p:stCondLst>
+                                    <p:cond delay="0"/>
+                                  </p:stCondLst>
+                                  <p:childTnLst>
+                                    <p:set>
+                                      <p:cBhvr>
+                                        <p:cTn id="6" dur="1" fill="hold">
+                                          <p:stCondLst>
+                                            <p:cond delay="0"/>
+                                          </p:stCondLst>
+                                        </p:cTn>
+                                        <p:tgtEl>
+                                          <p:spTgt spid="3">
+                                            <p:txEl>
+                                              <p:pRg st="0" end="0"/>
+                                            </p:txEl>
+                                          </p:spTgt>
+                                        </p:tgtEl>
+                                        <p:attrNameLst>
+                                          <p:attrName>style.visibility</p:attrName>
+                                        </p:attrNameLst>
+                                      </p:cBhvr>
+                                      <p:to>
+                                        <p:strVal val="visible"/>
+                                      </p:to>
+                                    </p:set>
+                                  </p:childTnLst>
+                                </p:cTn>
+                              </p:par>
+                            </p:childTnLst>
+                          </p:cTn>
+                        </p:par>
+                      </p:childTnLst>
+                    </p:cTn>
+                  </p:par>
+                  <p:par>
+                    <p:cTn id="7" fill="hold">
+                      <p:stCondLst>
+                        <p:cond delay="indefinite"/>
+                      </p:stCondLst>
+                      <p:childTnLst>
+                        <p:par>
+                          <p:cTn id="8" fill="hold">
+                            <p:stCondLst>
+                              <p:cond delay="0"/>
+                            </p:stCondLst>
+                            <p:childTnLst>
+                              <p:par>
+                                <p:cTn id="9" presetID="1" presetClass="entr" presetSubtype="0" fill="hold" grpId="0" nodeType="clickEffect">
+                                  <p:stCondLst>
+                                    <p:cond delay="0"/>
+                                  </p:stCondLst>
+                                  <p:childTnLst>
+                                    <p:set>
+                                      <p:cBhvr>
+                                        <p:cTn id="10" dur="1" fill="hold">
+                                          <p:stCondLst>
+                                            <p:cond delay="0"/>
+                                          </p:stCondLst>
+                                        </p:cTn>
+                                        <p:tgtEl>
+                                          <p:spTgt spid="3">
+                                            <p:txEl>
+                                              <p:pRg st="1" end="1"/>
+                                            </p:txEl>
+                                          </p:spTgt>
+                                        </p:tgtEl>
+                                        <p:attrNameLst>
+                                          <p:attrName>style.visibility</p:attrName>
+                                        </p:attrNameLst>
+                                      </p:cBhvr>
+                                      <p:to>
+                                        <p:strVal val="visible"/>
+                                      </p:to>
+                                    </p:set>
+                                  </p:childTnLst>
+                                </p:cTn>
+                              </p:par>
+                            </p:childTnLst>
+                          </p:cTn>
+                        </p:par>
+                      </p:childTnLst>
+                    </p:cTn>
+                  </p:par>
+                  <p:par>
+                    <p:cTn id="11" fill="hold">
+                      <p:stCondLst>
+                        <p:cond delay="indefinite"/>
+                      </p:stCondLst>
+                      <p:childTnLst>
+                        <p:par>
+                          <p:cTn id="12" fill="hold">
+                            <p:stCondLst>
+                              <p:cond delay="0"/>
+                            </p:stCondLst>
+                            <p:childTnLst>
+                              <p:par>
+                                <p:cTn id="13" presetID="1" presetClass="entr" presetSubtype="0" fill="hold" grpId="0" nodeType="clickEffect">
+                                  <p:stCondLst>
+                                    <p:cond delay="0"/>
+                                  </p:stCondLst>
+                                  <p:childTnLst>
+                                    <p:set>
+                                      <p:cBhvr>
+                                        <p:cTn id="14" dur="1" fill="hold">
+                                          <p:stCondLst>
+                                            <p:cond delay="0"/>
+                                          </p:stCondLst>
+                                        </p:cTn>
+                                        <p:tgtEl>
+                                          <p:spTgt spid="3">
+                                            <p:txEl>
+                                              <p:pRg st="2" end="2"/>
+                                            </p:txEl>
+                                          </p:spTgt>
+                                        </p:tgtEl>
+                                        <p:attrNameLst>
+                                          <p:attrName>style.visibility</p:attrName>
+                                        </p:attrNameLst>
+                                      </p:cBhvr>
+                                      <p:to>
+                                        <p:strVal val="visible"/>
+                                      </p:to>
+                                    </p:set>
+                                  </p:childTnLst>
+                                </p:cTn>
+                              </p:par>
+                            </p:childTnLst>
+                          </p:cTn>
+                        </p:par>
+                      </p:childTnLst>
+                    </p:cTn>
+                  </p:par>
+                  <p:par>
+                    <p:cTn id="15" fill="hold">
+                      <p:stCondLst>
+                        <p:cond delay="indefinite"/>
+                      </p:stCondLst>
+                      <p:childTnLst>
+                        <p:par>
+                          <p:cTn id="16" fill="hold">
+                            <p:stCondLst>
+                              <p:cond delay="0"/>
+                            </p:stCondLst>
+                            <p:childTnLst>
+                              <p:par>
+                                <p:cTn id="17" presetID="1" presetClass="entr" presetSubtype="0" fill="hold" grpId="0" nodeType="clickEffect">
+                                  <p:stCondLst>
+                                    <p:cond delay="0"/>
+                                  </p:stCondLst>
+                                  <p:childTnLst>
+                                    <p:set>
+                                      <p:cBhvr>
+                                        <p:cTn id="18" dur="1" fill="hold">
+                                          <p:stCondLst>
+                                            <p:cond delay="0"/>
+                                          </p:stCondLst>
+                                        </p:cTn>
+                                        <p:tgtEl>
+                                          <p:spTgt spid="3">
+                                            <p:txEl>
+                                              <p:pRg st="3" end="3"/>
+                                            </p:txEl>
+                                          </p:spTgt>
+                                        </p:tgtEl>
+                                        <p:attrNameLst>
+                                          <p:attrName>style.visibility</p:attrName>
+                                        </p:attrNameLst>
+                                      </p:cBhvr>
+                                      <p:to>
+                                        <p:strVal val="visible"/>
+                                      </p:to>
+                                    </p:set>
+                                  </p:childTnLst>
+                                </p:cTn>
+                              </p:par>
+                            </p:childTnLst>
+                          </p:cTn>
+                        </p:par>
+                      </p:childTnLst>
+                    </p:cTn>
+                  </p:par>
+                  <p:par>
+                    <p:cTn id="19" fill="hold">
+                      <p:stCondLst>
+                        <p:cond delay="indefinite"/>
+                      </p:stCondLst>
+                      <p:childTnLst>
+                        <p:par>
+                          <p:cTn id="20" fill="hold">
+                            <p:stCondLst>
+                              <p:cond delay="0"/>
+                            </p:stCondLst>
+                            <p:childTnLst>
+                              <p:par>
+                                <p:cTn id="21" presetID="1" presetClass="entr" presetSubtype="0" fill="hold" grpId="0" nodeType="clickEffect">
+                                  <p:stCondLst>
+                                    <p:cond delay="0"/>
+                                  </p:stCondLst>
+                                  <p:childTnLst>
+                                    <p:set>
+                                      <p:cBhvr>
+                                        <p:cTn id="22" dur="1" fill="hold">
+                                          <p:stCondLst>
+                                            <p:cond delay="0"/>
+                                          </p:stCondLst>
+                                        </p:cTn>
+                                        <p:tgtEl>
+                                          <p:spTgt spid="3">
+                                            <p:txEl>
+                                              <p:pRg st="4" end="4"/>
+                                            </p:txEl>
+                                          </p:spTgt>
+                                        </p:tgtEl>
+                                        <p:attrNameLst>
+                                          <p:attrName>style.visibility</p:attrName>
+                                        </p:attrNameLst>
+                                      </p:cBhvr>
+                                      <p:to>
+                                        <p:strVal val="visible"/>
+                                      </p:to>
+                                    </p:set>
+                                  </p:childTnLst>
+                                </p:cTn>
+                              </p:par>
+                            </p:childTnLst>
+                          </p:cTn>
+                        </p:par>
+                      </p:childTnLst>
+                    </p:cTn>
+                  </p:par>
+                  <p:par>
+                    <p:cTn id="23" fill="hold">
+                      <p:stCondLst>
+                        <p:cond delay="indefinite"/>
+                      </p:stCondLst>
+                      <p:childTnLst>
+                        <p:par>
+                          <p:cTn id="24" fill="hold">
+                            <p:stCondLst>
+                              <p:cond delay="0"/>
+                            </p:stCondLst>
+                            <p:childTnLst>
+                              <p:par>
+                                <p:cTn id="25" presetID="1" presetClass="entr" presetSubtype="0" fill="hold" grpId="0" nodeType="clickEffect">
+                                  <p:stCondLst>
+                                    <p:cond delay="0"/>
+                                  </p:stCondLst>
+                                  <p:childTnLst>
+                                    <p:set>
+                                      <p:cBhvr>
+                                        <p:cTn id="26" dur="1" fill="hold">
+                                          <p:stCondLst>
+                                            <p:cond delay="0"/>
+                                          </p:stCondLst>
+                                        </p:cTn>
+                                        <p:tgtEl>
+                                          <p:spTgt spid="3">
+                                            <p:txEl>
+                                              <p:pRg st="5" end="5"/>
+                                            </p:txEl>
+                                          </p:spTgt>
+                                        </p:tgtEl>
+                                        <p:attrNameLst>
+                                          <p:attrName>style.visibility</p:attrName>
+                                        </p:attrNameLst>
+                                      </p:cBhvr>
+                                      <p:to>
+                                        <p:strVal val="visible"/>
+                                      </p:to>
+                                    </p:set>
+                                  </p:childTnLst>
+                                </p:cTn>
+                              </p:par>
+                            </p:childTnLst>
+                          </p:cTn>
+                        </p:par>
+                      </p:childTnLst>
+                    </p:cTn>
+                  </p:par>
+                  <p:par>
+                    <p:cTn id="27" fill="hold">
+                      <p:stCondLst>
+                        <p:cond delay="indefinite"/>
+                      </p:stCondLst>
+                      <p:childTnLst>
+                        <p:par>
+                          <p:cTn id="28" fill="hold">
+                            <p:stCondLst>
+                              <p:cond delay="0"/>
+                            </p:stCondLst>
+                            <p:childTnLst>
+                              <p:par>
+                                <p:cTn id="29" presetID="1" presetClass="entr" presetSubtype="0" fill="hold" grpId="0" nodeType="clickEffect">
+                                  <p:stCondLst>
+                                    <p:cond delay="0"/>
+                                  </p:stCondLst>
+                                  <p:childTnLst>
+                                    <p:set>
+                                      <p:cBhvr>
+                                        <p:cTn id="30" dur="1" fill="hold">
+                                          <p:stCondLst>
+                                            <p:cond delay="0"/>
+                                          </p:stCondLst>
+                                        </p:cTn>
+                                        <p:tgtEl>
+                                          <p:spTgt spid="3">
+                                            <p:txEl>
+                                              <p:pRg st="6" end="6"/>
+                                            </p:txEl>
+                                          </p:spTgt>
+                                        </p:tgtEl>
+                                        <p:attrNameLst>
+                                          <p:attrName>style.visibility</p:attrName>
+                                        </p:attrNameLst>
+                                      </p:cBhvr>
+                                      <p:to>
+                                        <p:strVal val="visible"/>
+                                      </p:to>
+                                    </p:set>
+                                  </p:childTnLst>
+                                </p:cTn>
+                              </p:par>
+                            </p:childTnLst>
+                          </p:cTn>
+                        </p:par>
+                      </p:childTnLst>
+                    </p:cTn>
+                  </p:par>
+                </p:childTnLst>
+              </p:cTn>
+              <p:prevCondLst>
+                <p:cond evt="onPrev" delay="0">
+                  <p:tgtEl>
+                    <p:sldTgt/>
+                  </p:tgtEl>
+                </p:cond>
+              </p:prevCondLst>
+              <p:nextCondLst>
+                <p:cond evt="onNext" delay="0">
+                  <p:tgtEl>
+                    <p:sldTgt/>
+                  </p:tgtEl>
+                </p:cond>
+              </p:nextCondLst>
+            </p:seq>
+          </p:childTnLst>
+        </p:cTn>
+      </p:par>
+    </p:tnLst>
+    <p:bldLst>
+      <p:bldP spid="3" grpId="0" build="p"/>
+    </p:bldLst>
+  </p:timing>
 </p:sld>
 </file>
 
@@ -30465,243 +32893,12 @@
           <a:chExt cx="0" cy="0"/>
         </a:xfrm>
       </p:grpSpPr>
-      <p:sp useBgFill="1">
-        <p:nvSpPr>
-          <p:cNvPr id="13" name="Rectangle 8">
-            <a:extLst>
-              <a:ext uri="{FF2B5EF4-FFF2-40B4-BE49-F238E27FC236}">
-                <a16:creationId xmlns:a16="http://schemas.microsoft.com/office/drawing/2014/main" id="{2659FDB4-FCBE-4A89-B46D-43D4FA54464D}"/>
-              </a:ext>
-              <a:ext uri="{C183D7F6-B498-43B3-948B-1728B52AA6E4}">
-                <adec:decorative xmlns:adec="http://schemas.microsoft.com/office/drawing/2017/decorative" val="1"/>
-              </a:ext>
-            </a:extLst>
-          </p:cNvPr>
-          <p:cNvSpPr>
-            <a:spLocks noGrp="1" noRot="1" noChangeAspect="1" noMove="1" noResize="1" noEditPoints="1" noAdjustHandles="1" noChangeArrowheads="1" noChangeShapeType="1" noTextEdit="1"/>
-          </p:cNvSpPr>
-          <p:nvPr>
-            <p:extLst>
-              <p:ext uri="{386F3935-93C4-4BCD-93E2-E3B085C9AB24}">
-                <p16:designElem xmlns:p16="http://schemas.microsoft.com/office/powerpoint/2015/main" val="1"/>
-              </p:ext>
-            </p:extLst>
-          </p:nvPr>
-        </p:nvSpPr>
-        <p:spPr>
-          <a:xfrm>
-            <a:off x="0" y="8313"/>
-            <a:ext cx="12192000" cy="6858000"/>
-          </a:xfrm>
-          <a:prstGeom prst="rect">
-            <a:avLst/>
-          </a:prstGeom>
-          <a:ln>
-            <a:noFill/>
-          </a:ln>
-        </p:spPr>
-        <p:style>
-          <a:lnRef idx="2">
-            <a:schemeClr val="accent1">
-              <a:shade val="50000"/>
-            </a:schemeClr>
-          </a:lnRef>
-          <a:fillRef idx="1">
-            <a:schemeClr val="accent1"/>
-          </a:fillRef>
-          <a:effectRef idx="0">
-            <a:schemeClr val="accent1"/>
-          </a:effectRef>
-          <a:fontRef idx="minor">
-            <a:schemeClr val="lt1"/>
-          </a:fontRef>
-        </p:style>
-        <p:txBody>
-          <a:bodyPr rtlCol="0" anchor="ctr"/>
-          <a:lstStyle/>
-          <a:p>
-            <a:pPr algn="ctr"/>
-            <a:endParaRPr lang="en-US">
-              <a:solidFill>
-                <a:schemeClr val="bg1"/>
-              </a:solidFill>
-            </a:endParaRPr>
-          </a:p>
-        </p:txBody>
-      </p:sp>
       <p:sp>
         <p:nvSpPr>
           <p:cNvPr id="2" name="Title 1">
             <a:extLst>
               <a:ext uri="{FF2B5EF4-FFF2-40B4-BE49-F238E27FC236}">
-                <a16:creationId xmlns:a16="http://schemas.microsoft.com/office/drawing/2014/main" id="{C0627A11-34D8-4AD9-93C5-873C31237091}"/>
-              </a:ext>
-            </a:extLst>
-          </p:cNvPr>
-          <p:cNvSpPr>
-            <a:spLocks noGrp="1"/>
-          </p:cNvSpPr>
-          <p:nvPr>
-            <p:ph type="title"/>
-          </p:nvPr>
-        </p:nvSpPr>
-        <p:spPr>
-          <a:xfrm>
-            <a:off x="479394" y="1070800"/>
-            <a:ext cx="3939688" cy="5583126"/>
-          </a:xfrm>
-        </p:spPr>
-        <p:txBody>
-          <a:bodyPr>
-            <a:normAutofit/>
-          </a:bodyPr>
-          <a:lstStyle/>
-          <a:p>
-            <a:pPr algn="r"/>
-            <a:r>
-              <a:rPr lang="en-US" sz="6800"/>
-              <a:t>15-min group discussion </a:t>
-            </a:r>
-          </a:p>
-        </p:txBody>
-      </p:sp>
-      <p:cxnSp>
-        <p:nvCxnSpPr>
-          <p:cNvPr id="14" name="Straight Connector 10">
-            <a:extLst>
-              <a:ext uri="{FF2B5EF4-FFF2-40B4-BE49-F238E27FC236}">
-                <a16:creationId xmlns:a16="http://schemas.microsoft.com/office/drawing/2014/main" id="{C8F51B3F-8331-4E4A-AE96-D47B1006EEAD}"/>
-              </a:ext>
-              <a:ext uri="{C183D7F6-B498-43B3-948B-1728B52AA6E4}">
-                <adec:decorative xmlns:adec="http://schemas.microsoft.com/office/drawing/2017/decorative" val="1"/>
-              </a:ext>
-            </a:extLst>
-          </p:cNvPr>
-          <p:cNvCxnSpPr>
-            <a:cxnSpLocks noGrp="1" noRot="1" noChangeAspect="1" noMove="1" noResize="1" noEditPoints="1" noAdjustHandles="1" noChangeArrowheads="1" noChangeShapeType="1"/>
-          </p:cNvCxnSpPr>
-          <p:nvPr>
-            <p:extLst>
-              <p:ext uri="{386F3935-93C4-4BCD-93E2-E3B085C9AB24}">
-                <p16:designElem xmlns:p16="http://schemas.microsoft.com/office/powerpoint/2015/main" val="1"/>
-              </p:ext>
-            </p:extLst>
-          </p:nvPr>
-        </p:nvCxnSpPr>
-        <p:spPr>
-          <a:xfrm>
-            <a:off x="4728053" y="1132114"/>
-            <a:ext cx="0" cy="5717573"/>
-          </a:xfrm>
-          <a:prstGeom prst="line">
-            <a:avLst/>
-          </a:prstGeom>
-          <a:ln w="25400" cap="sq">
-            <a:gradFill flip="none" rotWithShape="1">
-              <a:gsLst>
-                <a:gs pos="0">
-                  <a:schemeClr val="accent1"/>
-                </a:gs>
-                <a:gs pos="100000">
-                  <a:schemeClr val="accent2"/>
-                </a:gs>
-              </a:gsLst>
-              <a:lin ang="16200000" scaled="1"/>
-              <a:tileRect/>
-            </a:gradFill>
-            <a:bevel/>
-          </a:ln>
-        </p:spPr>
-        <p:style>
-          <a:lnRef idx="1">
-            <a:schemeClr val="accent1"/>
-          </a:lnRef>
-          <a:fillRef idx="0">
-            <a:schemeClr val="accent1"/>
-          </a:fillRef>
-          <a:effectRef idx="0">
-            <a:schemeClr val="accent1"/>
-          </a:effectRef>
-          <a:fontRef idx="minor">
-            <a:schemeClr val="tx1"/>
-          </a:fontRef>
-        </p:style>
-      </p:cxnSp>
-      <p:graphicFrame>
-        <p:nvGraphicFramePr>
-          <p:cNvPr id="15" name="Content Placeholder 2">
-            <a:extLst>
-              <a:ext uri="{FF2B5EF4-FFF2-40B4-BE49-F238E27FC236}">
-                <a16:creationId xmlns:a16="http://schemas.microsoft.com/office/drawing/2014/main" id="{01109759-DBBB-4709-A5EB-D782D2FC753F}"/>
-              </a:ext>
-            </a:extLst>
-          </p:cNvPr>
-          <p:cNvGraphicFramePr>
-            <a:graphicFrameLocks noGrp="1"/>
-          </p:cNvGraphicFramePr>
-          <p:nvPr>
-            <p:ph idx="1"/>
-            <p:extLst>
-              <p:ext uri="{D42A27DB-BD31-4B8C-83A1-F6EECF244321}">
-                <p14:modId xmlns:p14="http://schemas.microsoft.com/office/powerpoint/2010/main" val="3505172463"/>
-              </p:ext>
-            </p:extLst>
-          </p:nvPr>
-        </p:nvGraphicFramePr>
-        <p:xfrm>
-          <a:off x="5108535" y="1070800"/>
-          <a:ext cx="6245265" cy="5589347"/>
-        </p:xfrm>
-        <a:graphic>
-          <a:graphicData uri="http://schemas.openxmlformats.org/drawingml/2006/diagram">
-            <dgm:relIds xmlns:dgm="http://schemas.openxmlformats.org/drawingml/2006/diagram" xmlns:r="http://schemas.openxmlformats.org/officeDocument/2006/relationships" r:dm="rId3" r:lo="rId4" r:qs="rId5" r:cs="rId6"/>
-          </a:graphicData>
-        </a:graphic>
-      </p:graphicFrame>
-    </p:spTree>
-    <p:extLst>
-      <p:ext uri="{BB962C8B-B14F-4D97-AF65-F5344CB8AC3E}">
-        <p14:creationId xmlns:p14="http://schemas.microsoft.com/office/powerpoint/2010/main" val="4083459671"/>
-      </p:ext>
-    </p:extLst>
-  </p:cSld>
-  <p:clrMapOvr>
-    <a:masterClrMapping/>
-  </p:clrMapOvr>
-</p:sld>
-</file>
-
-<file path=ppt/slides/slide31.xml><?xml version="1.0" encoding="utf-8"?>
-<p:sld xmlns:a="http://schemas.openxmlformats.org/drawingml/2006/main" xmlns:r="http://schemas.openxmlformats.org/officeDocument/2006/relationships" xmlns:p="http://schemas.openxmlformats.org/presentationml/2006/main">
-  <p:cSld>
-    <p:bg>
-      <p:bgPr>
-        <a:solidFill>
-          <a:schemeClr val="bg1"/>
-        </a:solidFill>
-        <a:effectLst/>
-      </p:bgPr>
-    </p:bg>
-    <p:spTree>
-      <p:nvGrpSpPr>
-        <p:cNvPr id="1" name=""/>
-        <p:cNvGrpSpPr/>
-        <p:nvPr/>
-      </p:nvGrpSpPr>
-      <p:grpSpPr>
-        <a:xfrm>
-          <a:off x="0" y="0"/>
-          <a:ext cx="0" cy="0"/>
-          <a:chOff x="0" y="0"/>
-          <a:chExt cx="0" cy="0"/>
-        </a:xfrm>
-      </p:grpSpPr>
-      <p:sp>
-        <p:nvSpPr>
-          <p:cNvPr id="2" name="Title 1">
-            <a:extLst>
-              <a:ext uri="{FF2B5EF4-FFF2-40B4-BE49-F238E27FC236}">
-                <a16:creationId xmlns:a16="http://schemas.microsoft.com/office/drawing/2014/main" id="{1076FDDC-BDED-4BA7-8E0A-40BF6E9B4D22}"/>
+                <a16:creationId xmlns:a16="http://schemas.microsoft.com/office/drawing/2014/main" id="{933CA3CC-301F-44DF-82BE-B3D3368354BA}"/>
               </a:ext>
             </a:extLst>
           </p:cNvPr>
@@ -30726,15 +32923,14 @@
           <a:p>
             <a:r>
               <a:rPr lang="en-US"/>
-              <a:t>Up Next</a:t>
+              <a:t>Discussion Case #6</a:t>
             </a:r>
-            <a:endParaRPr lang="en-US" dirty="0"/>
           </a:p>
         </p:txBody>
       </p:sp>
       <p:sp>
         <p:nvSpPr>
-          <p:cNvPr id="16" name="Freeform: Shape 7">
+          <p:cNvPr id="25" name="Freeform: Shape 24">
             <a:extLst>
               <a:ext uri="{FF2B5EF4-FFF2-40B4-BE49-F238E27FC236}">
                 <a16:creationId xmlns:a16="http://schemas.microsoft.com/office/drawing/2014/main" id="{7CB4857B-ED7C-444D-9F04-2F885114A1C2}"/>
@@ -30842,7 +33038,7 @@
       </p:sp>
       <p:sp>
         <p:nvSpPr>
-          <p:cNvPr id="17" name="Freeform: Shape 9">
+          <p:cNvPr id="27" name="Freeform: Shape 26">
             <a:extLst>
               <a:ext uri="{FF2B5EF4-FFF2-40B4-BE49-F238E27FC236}">
                 <a16:creationId xmlns:a16="http://schemas.microsoft.com/office/drawing/2014/main" id="{D18046FB-44EA-4FD8-A585-EA09A319B2D0}"/>
@@ -31104,7 +33300,7 @@
       </p:sp>
       <p:sp>
         <p:nvSpPr>
-          <p:cNvPr id="18" name="Freeform: Shape 11">
+          <p:cNvPr id="29" name="Freeform: Shape 28">
             <a:extLst>
               <a:ext uri="{FF2B5EF4-FFF2-40B4-BE49-F238E27FC236}">
                 <a16:creationId xmlns:a16="http://schemas.microsoft.com/office/drawing/2014/main" id="{479F5F2B-8B58-4140-AE6A-51F6C67B18D9}"/>
@@ -31207,7 +33403,7 @@
           <p:cNvPr id="3" name="Content Placeholder 2">
             <a:extLst>
               <a:ext uri="{FF2B5EF4-FFF2-40B4-BE49-F238E27FC236}">
-                <a16:creationId xmlns:a16="http://schemas.microsoft.com/office/drawing/2014/main" id="{3B2452B6-00F1-453E-897D-315F5F9DC22B}"/>
+                <a16:creationId xmlns:a16="http://schemas.microsoft.com/office/drawing/2014/main" id="{8F55AC7D-AC8F-4740-8936-9750AC0FDE26}"/>
               </a:ext>
             </a:extLst>
           </p:cNvPr>
@@ -31230,44 +33426,382 @@
           </a:bodyPr>
           <a:lstStyle/>
           <a:p>
+            <a:pPr marL="0" indent="0">
+              <a:buNone/>
+            </a:pPr>
             <a:r>
-              <a:rPr lang="en-US" sz="2400" dirty="0"/>
-              <a:t>Assignment 4.5 (update assignment 4)</a:t>
+              <a:rPr lang="en-US" sz="1700" dirty="0"/>
+              <a:t>Mediacom is in the process of changing its package and pricing structure for cable TV and internet services. It has developed four media packages and wants to assess the relative attractiveness of these four packages in a representative sample of customers and potential customers in Columbia, MO. Their researcher is considering the following sampling procedures.</a:t>
             </a:r>
           </a:p>
           <a:p>
+            <a:pPr marL="0" indent="0">
+              <a:buNone/>
+            </a:pPr>
+            <a:endParaRPr lang="en-US" sz="1700" dirty="0"/>
+          </a:p>
+          <a:p>
+            <a:pPr marL="514350" indent="-514350">
+              <a:buFont typeface="+mj-lt"/>
+              <a:buAutoNum type="arabicPeriod"/>
+            </a:pPr>
             <a:r>
-              <a:rPr lang="en-US" sz="2400" dirty="0"/>
-              <a:t>Discussion Case #6</a:t>
+              <a:rPr lang="en-US" sz="1700" dirty="0"/>
+              <a:t>Include a survey with the monthly billing statement, along with a pre-paid postage reply envelope.</a:t>
             </a:r>
           </a:p>
           <a:p>
+            <a:pPr marL="514350" indent="-514350">
+              <a:buFont typeface="+mj-lt"/>
+              <a:buAutoNum type="arabicPeriod"/>
+            </a:pPr>
             <a:r>
-              <a:rPr lang="en-US" sz="2400" dirty="0"/>
-              <a:t>Week 7 Quiz</a:t>
+              <a:rPr lang="en-US" sz="1700" dirty="0"/>
+              <a:t>Do a mall intercept survey at Columbia Mall and survey 500 actual or potential Mediacom customers.</a:t>
             </a:r>
           </a:p>
           <a:p>
+            <a:pPr marL="514350" indent="-514350">
+              <a:buFont typeface="+mj-lt"/>
+              <a:buAutoNum type="arabicPeriod"/>
+            </a:pPr>
             <a:r>
-              <a:rPr lang="en-US" sz="2400" dirty="0"/>
-              <a:t>First Exam (Monday)</a:t>
+              <a:rPr lang="en-US" sz="1700" dirty="0"/>
+              <a:t>Conduct an internet survey. Respondents would be paid $2 for completing a survey and would be recruited through banner ads on local newspapers, television, and radio websites.</a:t>
             </a:r>
           </a:p>
           <a:p>
-            <a:endParaRPr lang="en-US" sz="2400" dirty="0"/>
+            <a:pPr marL="0" indent="0">
+              <a:buNone/>
+            </a:pPr>
+            <a:r>
+              <a:rPr lang="en-US" sz="1700" dirty="0"/>
+              <a:t>Discuss how representative of the target population each of these approaches would be. Also, suggest a better option for collecting the data.</a:t>
+            </a:r>
           </a:p>
         </p:txBody>
       </p:sp>
     </p:spTree>
     <p:extLst>
       <p:ext uri="{BB962C8B-B14F-4D97-AF65-F5344CB8AC3E}">
-        <p14:creationId xmlns:p14="http://schemas.microsoft.com/office/powerpoint/2010/main" val="872275954"/>
+        <p14:creationId xmlns:p14="http://schemas.microsoft.com/office/powerpoint/2010/main" val="1820366696"/>
       </p:ext>
     </p:extLst>
   </p:cSld>
   <p:clrMapOvr>
     <a:masterClrMapping/>
   </p:clrMapOvr>
+</p:sld>
+</file>
+
+<file path=ppt/slides/slide31.xml><?xml version="1.0" encoding="utf-8"?>
+<p:sld xmlns:a="http://schemas.openxmlformats.org/drawingml/2006/main" xmlns:r="http://schemas.openxmlformats.org/officeDocument/2006/relationships" xmlns:p="http://schemas.openxmlformats.org/presentationml/2006/main">
+  <p:cSld>
+    <p:bg>
+      <p:bgPr>
+        <a:solidFill>
+          <a:schemeClr val="bg1"/>
+        </a:solidFill>
+        <a:effectLst/>
+      </p:bgPr>
+    </p:bg>
+    <p:spTree>
+      <p:nvGrpSpPr>
+        <p:cNvPr id="1" name=""/>
+        <p:cNvGrpSpPr/>
+        <p:nvPr/>
+      </p:nvGrpSpPr>
+      <p:grpSpPr>
+        <a:xfrm>
+          <a:off x="0" y="0"/>
+          <a:ext cx="0" cy="0"/>
+          <a:chOff x="0" y="0"/>
+          <a:chExt cx="0" cy="0"/>
+        </a:xfrm>
+      </p:grpSpPr>
+      <p:sp useBgFill="1">
+        <p:nvSpPr>
+          <p:cNvPr id="13" name="Rectangle 8">
+            <a:extLst>
+              <a:ext uri="{FF2B5EF4-FFF2-40B4-BE49-F238E27FC236}">
+                <a16:creationId xmlns:a16="http://schemas.microsoft.com/office/drawing/2014/main" id="{2659FDB4-FCBE-4A89-B46D-43D4FA54464D}"/>
+              </a:ext>
+              <a:ext uri="{C183D7F6-B498-43B3-948B-1728B52AA6E4}">
+                <adec:decorative xmlns:adec="http://schemas.microsoft.com/office/drawing/2017/decorative" val="1"/>
+              </a:ext>
+            </a:extLst>
+          </p:cNvPr>
+          <p:cNvSpPr>
+            <a:spLocks noGrp="1" noRot="1" noChangeAspect="1" noMove="1" noResize="1" noEditPoints="1" noAdjustHandles="1" noChangeArrowheads="1" noChangeShapeType="1" noTextEdit="1"/>
+          </p:cNvSpPr>
+          <p:nvPr>
+            <p:extLst>
+              <p:ext uri="{386F3935-93C4-4BCD-93E2-E3B085C9AB24}">
+                <p16:designElem xmlns:p16="http://schemas.microsoft.com/office/powerpoint/2015/main" val="1"/>
+              </p:ext>
+            </p:extLst>
+          </p:nvPr>
+        </p:nvSpPr>
+        <p:spPr>
+          <a:xfrm>
+            <a:off x="0" y="8313"/>
+            <a:ext cx="12192000" cy="6858000"/>
+          </a:xfrm>
+          <a:prstGeom prst="rect">
+            <a:avLst/>
+          </a:prstGeom>
+          <a:ln>
+            <a:noFill/>
+          </a:ln>
+        </p:spPr>
+        <p:style>
+          <a:lnRef idx="2">
+            <a:schemeClr val="accent1">
+              <a:shade val="50000"/>
+            </a:schemeClr>
+          </a:lnRef>
+          <a:fillRef idx="1">
+            <a:schemeClr val="accent1"/>
+          </a:fillRef>
+          <a:effectRef idx="0">
+            <a:schemeClr val="accent1"/>
+          </a:effectRef>
+          <a:fontRef idx="minor">
+            <a:schemeClr val="lt1"/>
+          </a:fontRef>
+        </p:style>
+        <p:txBody>
+          <a:bodyPr rtlCol="0" anchor="ctr"/>
+          <a:lstStyle/>
+          <a:p>
+            <a:pPr algn="ctr"/>
+            <a:endParaRPr lang="en-US">
+              <a:solidFill>
+                <a:schemeClr val="bg1"/>
+              </a:solidFill>
+            </a:endParaRPr>
+          </a:p>
+        </p:txBody>
+      </p:sp>
+      <p:sp>
+        <p:nvSpPr>
+          <p:cNvPr id="2" name="Title 1">
+            <a:extLst>
+              <a:ext uri="{FF2B5EF4-FFF2-40B4-BE49-F238E27FC236}">
+                <a16:creationId xmlns:a16="http://schemas.microsoft.com/office/drawing/2014/main" id="{C0627A11-34D8-4AD9-93C5-873C31237091}"/>
+              </a:ext>
+            </a:extLst>
+          </p:cNvPr>
+          <p:cNvSpPr>
+            <a:spLocks noGrp="1"/>
+          </p:cNvSpPr>
+          <p:nvPr>
+            <p:ph type="title"/>
+          </p:nvPr>
+        </p:nvSpPr>
+        <p:spPr>
+          <a:xfrm>
+            <a:off x="479394" y="1070800"/>
+            <a:ext cx="3939688" cy="5583126"/>
+          </a:xfrm>
+        </p:spPr>
+        <p:txBody>
+          <a:bodyPr>
+            <a:normAutofit/>
+          </a:bodyPr>
+          <a:lstStyle/>
+          <a:p>
+            <a:pPr algn="r"/>
+            <a:r>
+              <a:rPr lang="en-US" sz="6800"/>
+              <a:t>15-min group discussion </a:t>
+            </a:r>
+          </a:p>
+        </p:txBody>
+      </p:sp>
+      <p:cxnSp>
+        <p:nvCxnSpPr>
+          <p:cNvPr id="14" name="Straight Connector 10">
+            <a:extLst>
+              <a:ext uri="{FF2B5EF4-FFF2-40B4-BE49-F238E27FC236}">
+                <a16:creationId xmlns:a16="http://schemas.microsoft.com/office/drawing/2014/main" id="{C8F51B3F-8331-4E4A-AE96-D47B1006EEAD}"/>
+              </a:ext>
+              <a:ext uri="{C183D7F6-B498-43B3-948B-1728B52AA6E4}">
+                <adec:decorative xmlns:adec="http://schemas.microsoft.com/office/drawing/2017/decorative" val="1"/>
+              </a:ext>
+            </a:extLst>
+          </p:cNvPr>
+          <p:cNvCxnSpPr>
+            <a:cxnSpLocks noGrp="1" noRot="1" noChangeAspect="1" noMove="1" noResize="1" noEditPoints="1" noAdjustHandles="1" noChangeArrowheads="1" noChangeShapeType="1"/>
+          </p:cNvCxnSpPr>
+          <p:nvPr>
+            <p:extLst>
+              <p:ext uri="{386F3935-93C4-4BCD-93E2-E3B085C9AB24}">
+                <p16:designElem xmlns:p16="http://schemas.microsoft.com/office/powerpoint/2015/main" val="1"/>
+              </p:ext>
+            </p:extLst>
+          </p:nvPr>
+        </p:nvCxnSpPr>
+        <p:spPr>
+          <a:xfrm>
+            <a:off x="4728053" y="1132114"/>
+            <a:ext cx="0" cy="5717573"/>
+          </a:xfrm>
+          <a:prstGeom prst="line">
+            <a:avLst/>
+          </a:prstGeom>
+          <a:ln w="25400" cap="sq">
+            <a:gradFill flip="none" rotWithShape="1">
+              <a:gsLst>
+                <a:gs pos="0">
+                  <a:schemeClr val="accent1"/>
+                </a:gs>
+                <a:gs pos="100000">
+                  <a:schemeClr val="accent2"/>
+                </a:gs>
+              </a:gsLst>
+              <a:lin ang="16200000" scaled="1"/>
+              <a:tileRect/>
+            </a:gradFill>
+            <a:bevel/>
+          </a:ln>
+        </p:spPr>
+        <p:style>
+          <a:lnRef idx="1">
+            <a:schemeClr val="accent1"/>
+          </a:lnRef>
+          <a:fillRef idx="0">
+            <a:schemeClr val="accent1"/>
+          </a:fillRef>
+          <a:effectRef idx="0">
+            <a:schemeClr val="accent1"/>
+          </a:effectRef>
+          <a:fontRef idx="minor">
+            <a:schemeClr val="tx1"/>
+          </a:fontRef>
+        </p:style>
+      </p:cxnSp>
+      <p:graphicFrame>
+        <p:nvGraphicFramePr>
+          <p:cNvPr id="15" name="Content Placeholder 2">
+            <a:extLst>
+              <a:ext uri="{FF2B5EF4-FFF2-40B4-BE49-F238E27FC236}">
+                <a16:creationId xmlns:a16="http://schemas.microsoft.com/office/drawing/2014/main" id="{01109759-DBBB-4709-A5EB-D782D2FC753F}"/>
+              </a:ext>
+            </a:extLst>
+          </p:cNvPr>
+          <p:cNvGraphicFramePr>
+            <a:graphicFrameLocks noGrp="1"/>
+          </p:cNvGraphicFramePr>
+          <p:nvPr>
+            <p:ph idx="1"/>
+            <p:extLst>
+              <p:ext uri="{D42A27DB-BD31-4B8C-83A1-F6EECF244321}">
+                <p14:modId xmlns:p14="http://schemas.microsoft.com/office/powerpoint/2010/main" val="3505172463"/>
+              </p:ext>
+            </p:extLst>
+          </p:nvPr>
+        </p:nvGraphicFramePr>
+        <p:xfrm>
+          <a:off x="5108535" y="1070800"/>
+          <a:ext cx="6245265" cy="5589347"/>
+        </p:xfrm>
+        <a:graphic>
+          <a:graphicData uri="http://schemas.openxmlformats.org/drawingml/2006/diagram">
+            <dgm:relIds xmlns:dgm="http://schemas.openxmlformats.org/drawingml/2006/diagram" xmlns:r="http://schemas.openxmlformats.org/officeDocument/2006/relationships" r:dm="rId3" r:lo="rId4" r:qs="rId5" r:cs="rId6"/>
+          </a:graphicData>
+        </a:graphic>
+      </p:graphicFrame>
+    </p:spTree>
+    <p:extLst>
+      <p:ext uri="{BB962C8B-B14F-4D97-AF65-F5344CB8AC3E}">
+        <p14:creationId xmlns:p14="http://schemas.microsoft.com/office/powerpoint/2010/main" val="4083459671"/>
+      </p:ext>
+    </p:extLst>
+  </p:cSld>
+  <p:clrMapOvr>
+    <a:masterClrMapping/>
+  </p:clrMapOvr>
+  <p:timing>
+    <p:tnLst>
+      <p:par>
+        <p:cTn id="1" dur="indefinite" restart="never" nodeType="tmRoot">
+          <p:childTnLst>
+            <p:seq concurrent="1" nextAc="seek">
+              <p:cTn id="2" dur="indefinite" nodeType="mainSeq">
+                <p:childTnLst>
+                  <p:par>
+                    <p:cTn id="3" fill="hold">
+                      <p:stCondLst>
+                        <p:cond delay="indefinite"/>
+                      </p:stCondLst>
+                      <p:childTnLst>
+                        <p:par>
+                          <p:cTn id="4" fill="hold">
+                            <p:stCondLst>
+                              <p:cond delay="0"/>
+                            </p:stCondLst>
+                            <p:childTnLst>
+                              <p:par>
+                                <p:cTn id="5" presetID="1" presetClass="entr" presetSubtype="0" fill="hold" grpId="0" nodeType="clickEffect">
+                                  <p:stCondLst>
+                                    <p:cond delay="0"/>
+                                  </p:stCondLst>
+                                  <p:childTnLst>
+                                    <p:set>
+                                      <p:cBhvr>
+                                        <p:cTn id="6" dur="1" fill="hold">
+                                          <p:stCondLst>
+                                            <p:cond delay="0"/>
+                                          </p:stCondLst>
+                                        </p:cTn>
+                                        <p:tgtEl>
+                                          <p:spTgt spid="15"/>
+                                        </p:tgtEl>
+                                        <p:attrNameLst>
+                                          <p:attrName>style.visibility</p:attrName>
+                                        </p:attrNameLst>
+                                      </p:cBhvr>
+                                      <p:to>
+                                        <p:strVal val="visible"/>
+                                      </p:to>
+                                    </p:set>
+                                  </p:childTnLst>
+                                </p:cTn>
+                              </p:par>
+                            </p:childTnLst>
+                          </p:cTn>
+                        </p:par>
+                      </p:childTnLst>
+                    </p:cTn>
+                  </p:par>
+                </p:childTnLst>
+              </p:cTn>
+              <p:prevCondLst>
+                <p:cond evt="onPrev" delay="0">
+                  <p:tgtEl>
+                    <p:sldTgt/>
+                  </p:tgtEl>
+                </p:cond>
+              </p:prevCondLst>
+              <p:nextCondLst>
+                <p:cond evt="onNext" delay="0">
+                  <p:tgtEl>
+                    <p:sldTgt/>
+                  </p:tgtEl>
+                </p:cond>
+              </p:nextCondLst>
+            </p:seq>
+          </p:childTnLst>
+        </p:cTn>
+      </p:par>
+    </p:tnLst>
+    <p:bldLst>
+      <p:bldGraphic spid="15" grpId="0">
+        <p:bldAsOne/>
+      </p:bldGraphic>
+    </p:bldLst>
+  </p:timing>
 </p:sld>
 </file>
 
@@ -31301,7 +33835,7 @@
           <p:cNvPr id="2" name="Title 1">
             <a:extLst>
               <a:ext uri="{FF2B5EF4-FFF2-40B4-BE49-F238E27FC236}">
-                <a16:creationId xmlns:a16="http://schemas.microsoft.com/office/drawing/2014/main" id="{933CA3CC-301F-44DF-82BE-B3D3368354BA}"/>
+                <a16:creationId xmlns:a16="http://schemas.microsoft.com/office/drawing/2014/main" id="{1076FDDC-BDED-4BA7-8E0A-40BF6E9B4D22}"/>
               </a:ext>
             </a:extLst>
           </p:cNvPr>
@@ -31326,14 +33860,15 @@
           <a:p>
             <a:r>
               <a:rPr lang="en-US"/>
-              <a:t>Discussion Case #6</a:t>
+              <a:t>Up Next</a:t>
             </a:r>
+            <a:endParaRPr lang="en-US" dirty="0"/>
           </a:p>
         </p:txBody>
       </p:sp>
       <p:sp>
         <p:nvSpPr>
-          <p:cNvPr id="25" name="Freeform: Shape 24">
+          <p:cNvPr id="16" name="Freeform: Shape 7">
             <a:extLst>
               <a:ext uri="{FF2B5EF4-FFF2-40B4-BE49-F238E27FC236}">
                 <a16:creationId xmlns:a16="http://schemas.microsoft.com/office/drawing/2014/main" id="{7CB4857B-ED7C-444D-9F04-2F885114A1C2}"/>
@@ -31441,7 +33976,7 @@
       </p:sp>
       <p:sp>
         <p:nvSpPr>
-          <p:cNvPr id="27" name="Freeform: Shape 26">
+          <p:cNvPr id="17" name="Freeform: Shape 9">
             <a:extLst>
               <a:ext uri="{FF2B5EF4-FFF2-40B4-BE49-F238E27FC236}">
                 <a16:creationId xmlns:a16="http://schemas.microsoft.com/office/drawing/2014/main" id="{D18046FB-44EA-4FD8-A585-EA09A319B2D0}"/>
@@ -31703,7 +34238,7 @@
       </p:sp>
       <p:sp>
         <p:nvSpPr>
-          <p:cNvPr id="29" name="Freeform: Shape 28">
+          <p:cNvPr id="18" name="Freeform: Shape 11">
             <a:extLst>
               <a:ext uri="{FF2B5EF4-FFF2-40B4-BE49-F238E27FC236}">
                 <a16:creationId xmlns:a16="http://schemas.microsoft.com/office/drawing/2014/main" id="{479F5F2B-8B58-4140-AE6A-51F6C67B18D9}"/>
@@ -31806,7 +34341,7 @@
           <p:cNvPr id="3" name="Content Placeholder 2">
             <a:extLst>
               <a:ext uri="{FF2B5EF4-FFF2-40B4-BE49-F238E27FC236}">
-                <a16:creationId xmlns:a16="http://schemas.microsoft.com/office/drawing/2014/main" id="{8F55AC7D-AC8F-4740-8936-9750AC0FDE26}"/>
+                <a16:creationId xmlns:a16="http://schemas.microsoft.com/office/drawing/2014/main" id="{3B2452B6-00F1-453E-897D-315F5F9DC22B}"/>
               </a:ext>
             </a:extLst>
           </p:cNvPr>
@@ -31829,65 +34364,32 @@
           </a:bodyPr>
           <a:lstStyle/>
           <a:p>
-            <a:pPr marL="0" indent="0">
-              <a:buNone/>
-            </a:pPr>
             <a:r>
-              <a:rPr lang="en-US" sz="1700"/>
-              <a:t>Mediacom is in the process of changing its package and pricing structure for cable TV and internet services. It has developed four media packages and wants to assess the relative attractiveness of these four packages in a representative sample of customers and potential customers in Columbia, MO. Their researcher is considering the following sampling procedures.</a:t>
+              <a:rPr lang="en-US" sz="2400" dirty="0"/>
+              <a:t>Assignment 4.5 (update assignment 4)</a:t>
             </a:r>
           </a:p>
           <a:p>
-            <a:pPr marL="0" indent="0">
-              <a:buNone/>
-            </a:pPr>
-            <a:endParaRPr lang="en-US" sz="1700"/>
-          </a:p>
-          <a:p>
-            <a:pPr marL="514350" indent="-514350">
-              <a:buFont typeface="+mj-lt"/>
-              <a:buAutoNum type="arabicPeriod"/>
-            </a:pPr>
             <a:r>
-              <a:rPr lang="en-US" sz="1700"/>
-              <a:t>Include a survey with the monthly billing statement, along with a pre-paid postage reply envelope.</a:t>
+              <a:rPr lang="en-US" sz="2400" dirty="0"/>
+              <a:t>Week 7 Quiz</a:t>
             </a:r>
           </a:p>
           <a:p>
-            <a:pPr marL="514350" indent="-514350">
-              <a:buFont typeface="+mj-lt"/>
-              <a:buAutoNum type="arabicPeriod"/>
-            </a:pPr>
             <a:r>
-              <a:rPr lang="en-US" sz="1700"/>
-              <a:t>Do a mall intercept survey at Columbia Mall and survey 500 actual or potential Mediacom customers.</a:t>
+              <a:rPr lang="en-US" sz="2400" dirty="0"/>
+              <a:t>First Exam (Monday)</a:t>
             </a:r>
           </a:p>
           <a:p>
-            <a:pPr marL="514350" indent="-514350">
-              <a:buFont typeface="+mj-lt"/>
-              <a:buAutoNum type="arabicPeriod"/>
-            </a:pPr>
-            <a:r>
-              <a:rPr lang="en-US" sz="1700"/>
-              <a:t>Conduct an internet survey. Respondents would be paid $2 for completing a survey and would be recruited through banner ads on local newspapers, television, and radio websites.</a:t>
-            </a:r>
-          </a:p>
-          <a:p>
-            <a:pPr marL="0" indent="0">
-              <a:buNone/>
-            </a:pPr>
-            <a:r>
-              <a:rPr lang="en-US" sz="1700"/>
-              <a:t>Discuss how representative of the target population each of these approaches would be. Also, suggest a better option for collecting the data.</a:t>
-            </a:r>
+            <a:endParaRPr lang="en-US" sz="2400" dirty="0"/>
           </a:p>
         </p:txBody>
       </p:sp>
     </p:spTree>
     <p:extLst>
       <p:ext uri="{BB962C8B-B14F-4D97-AF65-F5344CB8AC3E}">
-        <p14:creationId xmlns:p14="http://schemas.microsoft.com/office/powerpoint/2010/main" val="1820366696"/>
+        <p14:creationId xmlns:p14="http://schemas.microsoft.com/office/powerpoint/2010/main" val="872275954"/>
       </p:ext>
     </p:extLst>
   </p:cSld>
@@ -33294,7 +35796,7 @@
           <p:nvPr/>
         </p:nvPicPr>
         <p:blipFill rotWithShape="1">
-          <a:blip r:embed="rId2"/>
+          <a:blip r:embed="rId3"/>
           <a:srcRect l="47837" r="7844"/>
           <a:stretch/>
         </p:blipFill>
@@ -36027,6 +38529,15 @@
 </file>
 
 <file path=customXml/item1.xml><?xml version="1.0" encoding="utf-8"?>
+<?mso-contentType ?>
+<FormTemplates xmlns="http://schemas.microsoft.com/sharepoint/v3/contenttype/forms">
+  <Display>DocumentLibraryForm</Display>
+  <Edit>DocumentLibraryForm</Edit>
+  <New>DocumentLibraryForm</New>
+</FormTemplates>
+</file>
+
+<file path=customXml/item2.xml><?xml version="1.0" encoding="utf-8"?>
 <ct:contentTypeSchema xmlns:ct="http://schemas.microsoft.com/office/2006/metadata/contentType" xmlns:ma="http://schemas.microsoft.com/office/2006/metadata/properties/metaAttributes" ct:_="" ma:_="" ma:contentTypeName="Document" ma:contentTypeID="0x01010079F111ED35F8CC479449609E8A0923A6" ma:contentTypeVersion="11" ma:contentTypeDescription="Create a new document." ma:contentTypeScope="" ma:versionID="96291512c1ee715ab617f4c07df79fc1">
   <xsd:schema xmlns:xsd="http://www.w3.org/2001/XMLSchema" xmlns:xs="http://www.w3.org/2001/XMLSchema" xmlns:p="http://schemas.microsoft.com/office/2006/metadata/properties" xmlns:ns2="71af3243-3dd4-4a8d-8c0d-dd76da1f02a5" xmlns:ns3="16c05727-aa75-4e4a-9b5f-8a80a1165891" targetNamespace="http://schemas.microsoft.com/office/2006/metadata/properties" ma:root="true" ma:fieldsID="8256c27c40ca5c40ce1cf6c44f0205df" ns2:_="" ns3:_="">
     <xsd:import namespace="71af3243-3dd4-4a8d-8c0d-dd76da1f02a5"/>
@@ -36237,15 +38748,6 @@
 </ct:contentTypeSchema>
 </file>
 
-<file path=customXml/item2.xml><?xml version="1.0" encoding="utf-8"?>
-<?mso-contentType ?>
-<FormTemplates xmlns="http://schemas.microsoft.com/sharepoint/v3/contenttype/forms">
-  <Display>DocumentLibraryForm</Display>
-  <Edit>DocumentLibraryForm</Edit>
-  <New>DocumentLibraryForm</New>
-</FormTemplates>
-</file>
-
 <file path=customXml/item3.xml><?xml version="1.0" encoding="utf-8"?>
 <p:properties xmlns:p="http://schemas.microsoft.com/office/2006/metadata/properties" xmlns:xsi="http://www.w3.org/2001/XMLSchema-instance" xmlns:pc="http://schemas.microsoft.com/office/infopath/2007/PartnerControls">
   <documentManagement>
@@ -36255,6 +38757,14 @@
 </file>
 
 <file path=customXml/itemProps1.xml><?xml version="1.0" encoding="utf-8"?>
+<ds:datastoreItem xmlns:ds="http://schemas.openxmlformats.org/officeDocument/2006/customXml" ds:itemID="{5CA875DA-F9FD-4F83-A049-3B1027B542DE}">
+  <ds:schemaRefs>
+    <ds:schemaRef ds:uri="http://schemas.microsoft.com/sharepoint/v3/contenttype/forms"/>
+  </ds:schemaRefs>
+</ds:datastoreItem>
+</file>
+
+<file path=customXml/itemProps2.xml><?xml version="1.0" encoding="utf-8"?>
 <ds:datastoreItem xmlns:ds="http://schemas.openxmlformats.org/officeDocument/2006/customXml" ds:itemID="{B2AB02E3-5ADF-4BF0-9C1B-35CDF3FE95B0}">
   <ds:schemaRefs>
     <ds:schemaRef ds:uri="http://schemas.microsoft.com/office/2006/metadata/contentType"/>
@@ -36273,14 +38783,6 @@
 </ds:datastoreItem>
 </file>
 
-<file path=customXml/itemProps2.xml><?xml version="1.0" encoding="utf-8"?>
-<ds:datastoreItem xmlns:ds="http://schemas.openxmlformats.org/officeDocument/2006/customXml" ds:itemID="{5CA875DA-F9FD-4F83-A049-3B1027B542DE}">
-  <ds:schemaRefs>
-    <ds:schemaRef ds:uri="http://schemas.microsoft.com/sharepoint/v3/contenttype/forms"/>
-  </ds:schemaRefs>
-</ds:datastoreItem>
-</file>
-
 <file path=customXml/itemProps3.xml><?xml version="1.0" encoding="utf-8"?>
 <ds:datastoreItem xmlns:ds="http://schemas.openxmlformats.org/officeDocument/2006/customXml" ds:itemID="{03C7D9E6-B0D9-433E-BD46-EB60F64F4DA8}">
   <ds:schemaRefs>
